--- a/进化算法/交叉/子路径交换交叉.pptx
+++ b/进化算法/交叉/子路径交换交叉.pptx
@@ -6,6 +6,8 @@
   </p:sldMasterIdLst>
   <p:sldIdLst>
     <p:sldId id="259" r:id="rId2"/>
+    <p:sldId id="260" r:id="rId3"/>
+    <p:sldId id="261" r:id="rId4"/>
   </p:sldIdLst>
   <p:sldSz cx="12192000" cy="6858000"/>
   <p:notesSz cx="6858000" cy="9144000"/>
@@ -154,10 +156,9 @@
           </a:lstStyle>
           <a:p>
             <a:r>
-              <a:rPr lang="zh-CN" altLang="en-US" smtClean="0"/>
+              <a:rPr lang="zh-CN" altLang="en-US"/>
               <a:t>单击此处编辑母版标题样式</a:t>
             </a:r>
-            <a:endParaRPr lang="zh-CN" altLang="en-US"/>
           </a:p>
         </p:txBody>
       </p:sp>
@@ -219,10 +220,9 @@
           </a:lstStyle>
           <a:p>
             <a:r>
-              <a:rPr lang="zh-CN" altLang="en-US" smtClean="0"/>
+              <a:rPr lang="zh-CN" altLang="en-US"/>
               <a:t>单击以编辑母版副标题样式</a:t>
             </a:r>
-            <a:endParaRPr lang="zh-CN" altLang="en-US"/>
           </a:p>
         </p:txBody>
       </p:sp>
@@ -243,7 +243,7 @@
           <a:p>
             <a:fld id="{040B7C12-11E1-412E-B2DA-388387B615FD}" type="datetimeFigureOut">
               <a:rPr lang="zh-CN" altLang="en-US" smtClean="0"/>
-              <a:t>2019/11/19</a:t>
+              <a:t>2019/11/30</a:t>
             </a:fld>
             <a:endParaRPr lang="zh-CN" altLang="en-US"/>
           </a:p>
@@ -337,10 +337,9 @@
           <a:lstStyle/>
           <a:p>
             <a:r>
-              <a:rPr lang="zh-CN" altLang="en-US" smtClean="0"/>
+              <a:rPr lang="zh-CN" altLang="en-US"/>
               <a:t>单击此处编辑母版标题样式</a:t>
             </a:r>
-            <a:endParaRPr lang="zh-CN" altLang="en-US"/>
           </a:p>
         </p:txBody>
       </p:sp>
@@ -361,38 +360,37 @@
           <a:p>
             <a:pPr lvl="0"/>
             <a:r>
-              <a:rPr lang="zh-CN" altLang="en-US" smtClean="0"/>
+              <a:rPr lang="zh-CN" altLang="en-US"/>
               <a:t>编辑母版文本样式</a:t>
             </a:r>
           </a:p>
           <a:p>
             <a:pPr lvl="1"/>
             <a:r>
-              <a:rPr lang="zh-CN" altLang="en-US" smtClean="0"/>
+              <a:rPr lang="zh-CN" altLang="en-US"/>
               <a:t>第二级</a:t>
             </a:r>
           </a:p>
           <a:p>
             <a:pPr lvl="2"/>
             <a:r>
-              <a:rPr lang="zh-CN" altLang="en-US" smtClean="0"/>
+              <a:rPr lang="zh-CN" altLang="en-US"/>
               <a:t>第三级</a:t>
             </a:r>
           </a:p>
           <a:p>
             <a:pPr lvl="3"/>
             <a:r>
-              <a:rPr lang="zh-CN" altLang="en-US" smtClean="0"/>
+              <a:rPr lang="zh-CN" altLang="en-US"/>
               <a:t>第四级</a:t>
             </a:r>
           </a:p>
           <a:p>
             <a:pPr lvl="4"/>
             <a:r>
-              <a:rPr lang="zh-CN" altLang="en-US" smtClean="0"/>
+              <a:rPr lang="zh-CN" altLang="en-US"/>
               <a:t>第五级</a:t>
             </a:r>
-            <a:endParaRPr lang="zh-CN" altLang="en-US"/>
           </a:p>
         </p:txBody>
       </p:sp>
@@ -413,7 +411,7 @@
           <a:p>
             <a:fld id="{040B7C12-11E1-412E-B2DA-388387B615FD}" type="datetimeFigureOut">
               <a:rPr lang="zh-CN" altLang="en-US" smtClean="0"/>
-              <a:t>2019/11/19</a:t>
+              <a:t>2019/11/30</a:t>
             </a:fld>
             <a:endParaRPr lang="zh-CN" altLang="en-US"/>
           </a:p>
@@ -512,10 +510,9 @@
           <a:lstStyle/>
           <a:p>
             <a:r>
-              <a:rPr lang="zh-CN" altLang="en-US" smtClean="0"/>
+              <a:rPr lang="zh-CN" altLang="en-US"/>
               <a:t>单击此处编辑母版标题样式</a:t>
             </a:r>
-            <a:endParaRPr lang="zh-CN" altLang="en-US"/>
           </a:p>
         </p:txBody>
       </p:sp>
@@ -541,38 +538,37 @@
           <a:p>
             <a:pPr lvl="0"/>
             <a:r>
-              <a:rPr lang="zh-CN" altLang="en-US" smtClean="0"/>
+              <a:rPr lang="zh-CN" altLang="en-US"/>
               <a:t>编辑母版文本样式</a:t>
             </a:r>
           </a:p>
           <a:p>
             <a:pPr lvl="1"/>
             <a:r>
-              <a:rPr lang="zh-CN" altLang="en-US" smtClean="0"/>
+              <a:rPr lang="zh-CN" altLang="en-US"/>
               <a:t>第二级</a:t>
             </a:r>
           </a:p>
           <a:p>
             <a:pPr lvl="2"/>
             <a:r>
-              <a:rPr lang="zh-CN" altLang="en-US" smtClean="0"/>
+              <a:rPr lang="zh-CN" altLang="en-US"/>
               <a:t>第三级</a:t>
             </a:r>
           </a:p>
           <a:p>
             <a:pPr lvl="3"/>
             <a:r>
-              <a:rPr lang="zh-CN" altLang="en-US" smtClean="0"/>
+              <a:rPr lang="zh-CN" altLang="en-US"/>
               <a:t>第四级</a:t>
             </a:r>
           </a:p>
           <a:p>
             <a:pPr lvl="4"/>
             <a:r>
-              <a:rPr lang="zh-CN" altLang="en-US" smtClean="0"/>
+              <a:rPr lang="zh-CN" altLang="en-US"/>
               <a:t>第五级</a:t>
             </a:r>
-            <a:endParaRPr lang="zh-CN" altLang="en-US"/>
           </a:p>
         </p:txBody>
       </p:sp>
@@ -593,7 +589,7 @@
           <a:p>
             <a:fld id="{040B7C12-11E1-412E-B2DA-388387B615FD}" type="datetimeFigureOut">
               <a:rPr lang="zh-CN" altLang="en-US" smtClean="0"/>
-              <a:t>2019/11/19</a:t>
+              <a:t>2019/11/30</a:t>
             </a:fld>
             <a:endParaRPr lang="zh-CN" altLang="en-US"/>
           </a:p>
@@ -687,10 +683,9 @@
           <a:lstStyle/>
           <a:p>
             <a:r>
-              <a:rPr lang="zh-CN" altLang="en-US" smtClean="0"/>
+              <a:rPr lang="zh-CN" altLang="en-US"/>
               <a:t>单击此处编辑母版标题样式</a:t>
             </a:r>
-            <a:endParaRPr lang="zh-CN" altLang="en-US"/>
           </a:p>
         </p:txBody>
       </p:sp>
@@ -711,38 +706,37 @@
           <a:p>
             <a:pPr lvl="0"/>
             <a:r>
-              <a:rPr lang="zh-CN" altLang="en-US" smtClean="0"/>
+              <a:rPr lang="zh-CN" altLang="en-US"/>
               <a:t>编辑母版文本样式</a:t>
             </a:r>
           </a:p>
           <a:p>
             <a:pPr lvl="1"/>
             <a:r>
-              <a:rPr lang="zh-CN" altLang="en-US" smtClean="0"/>
+              <a:rPr lang="zh-CN" altLang="en-US"/>
               <a:t>第二级</a:t>
             </a:r>
           </a:p>
           <a:p>
             <a:pPr lvl="2"/>
             <a:r>
-              <a:rPr lang="zh-CN" altLang="en-US" smtClean="0"/>
+              <a:rPr lang="zh-CN" altLang="en-US"/>
               <a:t>第三级</a:t>
             </a:r>
           </a:p>
           <a:p>
             <a:pPr lvl="3"/>
             <a:r>
-              <a:rPr lang="zh-CN" altLang="en-US" smtClean="0"/>
+              <a:rPr lang="zh-CN" altLang="en-US"/>
               <a:t>第四级</a:t>
             </a:r>
           </a:p>
           <a:p>
             <a:pPr lvl="4"/>
             <a:r>
-              <a:rPr lang="zh-CN" altLang="en-US" smtClean="0"/>
+              <a:rPr lang="zh-CN" altLang="en-US"/>
               <a:t>第五级</a:t>
             </a:r>
-            <a:endParaRPr lang="zh-CN" altLang="en-US"/>
           </a:p>
         </p:txBody>
       </p:sp>
@@ -763,7 +757,7 @@
           <a:p>
             <a:fld id="{040B7C12-11E1-412E-B2DA-388387B615FD}" type="datetimeFigureOut">
               <a:rPr lang="zh-CN" altLang="en-US" smtClean="0"/>
-              <a:t>2019/11/19</a:t>
+              <a:t>2019/11/30</a:t>
             </a:fld>
             <a:endParaRPr lang="zh-CN" altLang="en-US"/>
           </a:p>
@@ -821,13 +815,6 @@
   <p:clrMapOvr>
     <a:masterClrMapping/>
   </p:clrMapOvr>
-  <p:timing>
-    <p:tnLst>
-      <p:par>
-        <p:cTn id="1" dur="indefinite" restart="never" nodeType="tmRoot"/>
-      </p:par>
-    </p:tnLst>
-  </p:timing>
 </p:sldLayout>
 </file>
 
@@ -873,10 +860,9 @@
           </a:lstStyle>
           <a:p>
             <a:r>
-              <a:rPr lang="zh-CN" altLang="en-US" smtClean="0"/>
+              <a:rPr lang="zh-CN" altLang="en-US"/>
               <a:t>单击此处编辑母版标题样式</a:t>
             </a:r>
-            <a:endParaRPr lang="zh-CN" altLang="en-US"/>
           </a:p>
         </p:txBody>
       </p:sp>
@@ -993,7 +979,7 @@
           <a:p>
             <a:pPr lvl="0"/>
             <a:r>
-              <a:rPr lang="zh-CN" altLang="en-US" smtClean="0"/>
+              <a:rPr lang="zh-CN" altLang="en-US"/>
               <a:t>编辑母版文本样式</a:t>
             </a:r>
           </a:p>
@@ -1016,7 +1002,7 @@
           <a:p>
             <a:fld id="{040B7C12-11E1-412E-B2DA-388387B615FD}" type="datetimeFigureOut">
               <a:rPr lang="zh-CN" altLang="en-US" smtClean="0"/>
-              <a:t>2019/11/19</a:t>
+              <a:t>2019/11/30</a:t>
             </a:fld>
             <a:endParaRPr lang="zh-CN" altLang="en-US"/>
           </a:p>
@@ -1110,10 +1096,9 @@
           <a:lstStyle/>
           <a:p>
             <a:r>
-              <a:rPr lang="zh-CN" altLang="en-US" smtClean="0"/>
+              <a:rPr lang="zh-CN" altLang="en-US"/>
               <a:t>单击此处编辑母版标题样式</a:t>
             </a:r>
-            <a:endParaRPr lang="zh-CN" altLang="en-US"/>
           </a:p>
         </p:txBody>
       </p:sp>
@@ -1139,38 +1124,37 @@
           <a:p>
             <a:pPr lvl="0"/>
             <a:r>
-              <a:rPr lang="zh-CN" altLang="en-US" smtClean="0"/>
+              <a:rPr lang="zh-CN" altLang="en-US"/>
               <a:t>编辑母版文本样式</a:t>
             </a:r>
           </a:p>
           <a:p>
             <a:pPr lvl="1"/>
             <a:r>
-              <a:rPr lang="zh-CN" altLang="en-US" smtClean="0"/>
+              <a:rPr lang="zh-CN" altLang="en-US"/>
               <a:t>第二级</a:t>
             </a:r>
           </a:p>
           <a:p>
             <a:pPr lvl="2"/>
             <a:r>
-              <a:rPr lang="zh-CN" altLang="en-US" smtClean="0"/>
+              <a:rPr lang="zh-CN" altLang="en-US"/>
               <a:t>第三级</a:t>
             </a:r>
           </a:p>
           <a:p>
             <a:pPr lvl="3"/>
             <a:r>
-              <a:rPr lang="zh-CN" altLang="en-US" smtClean="0"/>
+              <a:rPr lang="zh-CN" altLang="en-US"/>
               <a:t>第四级</a:t>
             </a:r>
           </a:p>
           <a:p>
             <a:pPr lvl="4"/>
             <a:r>
-              <a:rPr lang="zh-CN" altLang="en-US" smtClean="0"/>
+              <a:rPr lang="zh-CN" altLang="en-US"/>
               <a:t>第五级</a:t>
             </a:r>
-            <a:endParaRPr lang="zh-CN" altLang="en-US"/>
           </a:p>
         </p:txBody>
       </p:sp>
@@ -1196,38 +1180,37 @@
           <a:p>
             <a:pPr lvl="0"/>
             <a:r>
-              <a:rPr lang="zh-CN" altLang="en-US" smtClean="0"/>
+              <a:rPr lang="zh-CN" altLang="en-US"/>
               <a:t>编辑母版文本样式</a:t>
             </a:r>
           </a:p>
           <a:p>
             <a:pPr lvl="1"/>
             <a:r>
-              <a:rPr lang="zh-CN" altLang="en-US" smtClean="0"/>
+              <a:rPr lang="zh-CN" altLang="en-US"/>
               <a:t>第二级</a:t>
             </a:r>
           </a:p>
           <a:p>
             <a:pPr lvl="2"/>
             <a:r>
-              <a:rPr lang="zh-CN" altLang="en-US" smtClean="0"/>
+              <a:rPr lang="zh-CN" altLang="en-US"/>
               <a:t>第三级</a:t>
             </a:r>
           </a:p>
           <a:p>
             <a:pPr lvl="3"/>
             <a:r>
-              <a:rPr lang="zh-CN" altLang="en-US" smtClean="0"/>
+              <a:rPr lang="zh-CN" altLang="en-US"/>
               <a:t>第四级</a:t>
             </a:r>
           </a:p>
           <a:p>
             <a:pPr lvl="4"/>
             <a:r>
-              <a:rPr lang="zh-CN" altLang="en-US" smtClean="0"/>
+              <a:rPr lang="zh-CN" altLang="en-US"/>
               <a:t>第五级</a:t>
             </a:r>
-            <a:endParaRPr lang="zh-CN" altLang="en-US"/>
           </a:p>
         </p:txBody>
       </p:sp>
@@ -1248,7 +1231,7 @@
           <a:p>
             <a:fld id="{040B7C12-11E1-412E-B2DA-388387B615FD}" type="datetimeFigureOut">
               <a:rPr lang="zh-CN" altLang="en-US" smtClean="0"/>
-              <a:t>2019/11/19</a:t>
+              <a:t>2019/11/30</a:t>
             </a:fld>
             <a:endParaRPr lang="zh-CN" altLang="en-US"/>
           </a:p>
@@ -1347,10 +1330,9 @@
           <a:lstStyle/>
           <a:p>
             <a:r>
-              <a:rPr lang="zh-CN" altLang="en-US" smtClean="0"/>
+              <a:rPr lang="zh-CN" altLang="en-US"/>
               <a:t>单击此处编辑母版标题样式</a:t>
             </a:r>
-            <a:endParaRPr lang="zh-CN" altLang="en-US"/>
           </a:p>
         </p:txBody>
       </p:sp>
@@ -1413,7 +1395,7 @@
           <a:p>
             <a:pPr lvl="0"/>
             <a:r>
-              <a:rPr lang="zh-CN" altLang="en-US" smtClean="0"/>
+              <a:rPr lang="zh-CN" altLang="en-US"/>
               <a:t>编辑母版文本样式</a:t>
             </a:r>
           </a:p>
@@ -1441,38 +1423,37 @@
           <a:p>
             <a:pPr lvl="0"/>
             <a:r>
-              <a:rPr lang="zh-CN" altLang="en-US" smtClean="0"/>
+              <a:rPr lang="zh-CN" altLang="en-US"/>
               <a:t>编辑母版文本样式</a:t>
             </a:r>
           </a:p>
           <a:p>
             <a:pPr lvl="1"/>
             <a:r>
-              <a:rPr lang="zh-CN" altLang="en-US" smtClean="0"/>
+              <a:rPr lang="zh-CN" altLang="en-US"/>
               <a:t>第二级</a:t>
             </a:r>
           </a:p>
           <a:p>
             <a:pPr lvl="2"/>
             <a:r>
-              <a:rPr lang="zh-CN" altLang="en-US" smtClean="0"/>
+              <a:rPr lang="zh-CN" altLang="en-US"/>
               <a:t>第三级</a:t>
             </a:r>
           </a:p>
           <a:p>
             <a:pPr lvl="3"/>
             <a:r>
-              <a:rPr lang="zh-CN" altLang="en-US" smtClean="0"/>
+              <a:rPr lang="zh-CN" altLang="en-US"/>
               <a:t>第四级</a:t>
             </a:r>
           </a:p>
           <a:p>
             <a:pPr lvl="4"/>
             <a:r>
-              <a:rPr lang="zh-CN" altLang="en-US" smtClean="0"/>
+              <a:rPr lang="zh-CN" altLang="en-US"/>
               <a:t>第五级</a:t>
             </a:r>
-            <a:endParaRPr lang="zh-CN" altLang="en-US"/>
           </a:p>
         </p:txBody>
       </p:sp>
@@ -1535,7 +1516,7 @@
           <a:p>
             <a:pPr lvl="0"/>
             <a:r>
-              <a:rPr lang="zh-CN" altLang="en-US" smtClean="0"/>
+              <a:rPr lang="zh-CN" altLang="en-US"/>
               <a:t>编辑母版文本样式</a:t>
             </a:r>
           </a:p>
@@ -1563,38 +1544,37 @@
           <a:p>
             <a:pPr lvl="0"/>
             <a:r>
-              <a:rPr lang="zh-CN" altLang="en-US" smtClean="0"/>
+              <a:rPr lang="zh-CN" altLang="en-US"/>
               <a:t>编辑母版文本样式</a:t>
             </a:r>
           </a:p>
           <a:p>
             <a:pPr lvl="1"/>
             <a:r>
-              <a:rPr lang="zh-CN" altLang="en-US" smtClean="0"/>
+              <a:rPr lang="zh-CN" altLang="en-US"/>
               <a:t>第二级</a:t>
             </a:r>
           </a:p>
           <a:p>
             <a:pPr lvl="2"/>
             <a:r>
-              <a:rPr lang="zh-CN" altLang="en-US" smtClean="0"/>
+              <a:rPr lang="zh-CN" altLang="en-US"/>
               <a:t>第三级</a:t>
             </a:r>
           </a:p>
           <a:p>
             <a:pPr lvl="3"/>
             <a:r>
-              <a:rPr lang="zh-CN" altLang="en-US" smtClean="0"/>
+              <a:rPr lang="zh-CN" altLang="en-US"/>
               <a:t>第四级</a:t>
             </a:r>
           </a:p>
           <a:p>
             <a:pPr lvl="4"/>
             <a:r>
-              <a:rPr lang="zh-CN" altLang="en-US" smtClean="0"/>
+              <a:rPr lang="zh-CN" altLang="en-US"/>
               <a:t>第五级</a:t>
             </a:r>
-            <a:endParaRPr lang="zh-CN" altLang="en-US"/>
           </a:p>
         </p:txBody>
       </p:sp>
@@ -1615,7 +1595,7 @@
           <a:p>
             <a:fld id="{040B7C12-11E1-412E-B2DA-388387B615FD}" type="datetimeFigureOut">
               <a:rPr lang="zh-CN" altLang="en-US" smtClean="0"/>
-              <a:t>2019/11/19</a:t>
+              <a:t>2019/11/30</a:t>
             </a:fld>
             <a:endParaRPr lang="zh-CN" altLang="en-US"/>
           </a:p>
@@ -1709,10 +1689,9 @@
           <a:lstStyle/>
           <a:p>
             <a:r>
-              <a:rPr lang="zh-CN" altLang="en-US" smtClean="0"/>
+              <a:rPr lang="zh-CN" altLang="en-US"/>
               <a:t>单击此处编辑母版标题样式</a:t>
             </a:r>
-            <a:endParaRPr lang="zh-CN" altLang="en-US"/>
           </a:p>
         </p:txBody>
       </p:sp>
@@ -1733,7 +1712,7 @@
           <a:p>
             <a:fld id="{040B7C12-11E1-412E-B2DA-388387B615FD}" type="datetimeFigureOut">
               <a:rPr lang="zh-CN" altLang="en-US" smtClean="0"/>
-              <a:t>2019/11/19</a:t>
+              <a:t>2019/11/30</a:t>
             </a:fld>
             <a:endParaRPr lang="zh-CN" altLang="en-US"/>
           </a:p>
@@ -1828,7 +1807,7 @@
           <a:p>
             <a:fld id="{040B7C12-11E1-412E-B2DA-388387B615FD}" type="datetimeFigureOut">
               <a:rPr lang="zh-CN" altLang="en-US" smtClean="0"/>
-              <a:t>2019/11/19</a:t>
+              <a:t>2019/11/30</a:t>
             </a:fld>
             <a:endParaRPr lang="zh-CN" altLang="en-US"/>
           </a:p>
@@ -1931,10 +1910,9 @@
           </a:lstStyle>
           <a:p>
             <a:r>
-              <a:rPr lang="zh-CN" altLang="en-US" smtClean="0"/>
+              <a:rPr lang="zh-CN" altLang="en-US"/>
               <a:t>单击此处编辑母版标题样式</a:t>
             </a:r>
-            <a:endParaRPr lang="zh-CN" altLang="en-US"/>
           </a:p>
         </p:txBody>
       </p:sp>
@@ -1988,38 +1966,37 @@
           <a:p>
             <a:pPr lvl="0"/>
             <a:r>
-              <a:rPr lang="zh-CN" altLang="en-US" smtClean="0"/>
+              <a:rPr lang="zh-CN" altLang="en-US"/>
               <a:t>编辑母版文本样式</a:t>
             </a:r>
           </a:p>
           <a:p>
             <a:pPr lvl="1"/>
             <a:r>
-              <a:rPr lang="zh-CN" altLang="en-US" smtClean="0"/>
+              <a:rPr lang="zh-CN" altLang="en-US"/>
               <a:t>第二级</a:t>
             </a:r>
           </a:p>
           <a:p>
             <a:pPr lvl="2"/>
             <a:r>
-              <a:rPr lang="zh-CN" altLang="en-US" smtClean="0"/>
+              <a:rPr lang="zh-CN" altLang="en-US"/>
               <a:t>第三级</a:t>
             </a:r>
           </a:p>
           <a:p>
             <a:pPr lvl="3"/>
             <a:r>
-              <a:rPr lang="zh-CN" altLang="en-US" smtClean="0"/>
+              <a:rPr lang="zh-CN" altLang="en-US"/>
               <a:t>第四级</a:t>
             </a:r>
           </a:p>
           <a:p>
             <a:pPr lvl="4"/>
             <a:r>
-              <a:rPr lang="zh-CN" altLang="en-US" smtClean="0"/>
+              <a:rPr lang="zh-CN" altLang="en-US"/>
               <a:t>第五级</a:t>
             </a:r>
-            <a:endParaRPr lang="zh-CN" altLang="en-US"/>
           </a:p>
         </p:txBody>
       </p:sp>
@@ -2082,7 +2059,7 @@
           <a:p>
             <a:pPr lvl="0"/>
             <a:r>
-              <a:rPr lang="zh-CN" altLang="en-US" smtClean="0"/>
+              <a:rPr lang="zh-CN" altLang="en-US"/>
               <a:t>编辑母版文本样式</a:t>
             </a:r>
           </a:p>
@@ -2105,7 +2082,7 @@
           <a:p>
             <a:fld id="{040B7C12-11E1-412E-B2DA-388387B615FD}" type="datetimeFigureOut">
               <a:rPr lang="zh-CN" altLang="en-US" smtClean="0"/>
-              <a:t>2019/11/19</a:t>
+              <a:t>2019/11/30</a:t>
             </a:fld>
             <a:endParaRPr lang="zh-CN" altLang="en-US"/>
           </a:p>
@@ -2208,10 +2185,9 @@
           </a:lstStyle>
           <a:p>
             <a:r>
-              <a:rPr lang="zh-CN" altLang="en-US" smtClean="0"/>
+              <a:rPr lang="zh-CN" altLang="en-US"/>
               <a:t>单击此处编辑母版标题样式</a:t>
             </a:r>
-            <a:endParaRPr lang="zh-CN" altLang="en-US"/>
           </a:p>
         </p:txBody>
       </p:sp>
@@ -2335,7 +2311,7 @@
           <a:p>
             <a:pPr lvl="0"/>
             <a:r>
-              <a:rPr lang="zh-CN" altLang="en-US" smtClean="0"/>
+              <a:rPr lang="zh-CN" altLang="en-US"/>
               <a:t>编辑母版文本样式</a:t>
             </a:r>
           </a:p>
@@ -2358,7 +2334,7 @@
           <a:p>
             <a:fld id="{040B7C12-11E1-412E-B2DA-388387B615FD}" type="datetimeFigureOut">
               <a:rPr lang="zh-CN" altLang="en-US" smtClean="0"/>
-              <a:t>2019/11/19</a:t>
+              <a:t>2019/11/30</a:t>
             </a:fld>
             <a:endParaRPr lang="zh-CN" altLang="en-US"/>
           </a:p>
@@ -2467,10 +2443,9 @@
           <a:lstStyle/>
           <a:p>
             <a:r>
-              <a:rPr lang="zh-CN" altLang="en-US" smtClean="0"/>
+              <a:rPr lang="zh-CN" altLang="en-US"/>
               <a:t>单击此处编辑母版标题样式</a:t>
             </a:r>
-            <a:endParaRPr lang="zh-CN" altLang="en-US"/>
           </a:p>
         </p:txBody>
       </p:sp>
@@ -2501,38 +2476,37 @@
           <a:p>
             <a:pPr lvl="0"/>
             <a:r>
-              <a:rPr lang="zh-CN" altLang="en-US" smtClean="0"/>
+              <a:rPr lang="zh-CN" altLang="en-US"/>
               <a:t>编辑母版文本样式</a:t>
             </a:r>
           </a:p>
           <a:p>
             <a:pPr lvl="1"/>
             <a:r>
-              <a:rPr lang="zh-CN" altLang="en-US" smtClean="0"/>
+              <a:rPr lang="zh-CN" altLang="en-US"/>
               <a:t>第二级</a:t>
             </a:r>
           </a:p>
           <a:p>
             <a:pPr lvl="2"/>
             <a:r>
-              <a:rPr lang="zh-CN" altLang="en-US" smtClean="0"/>
+              <a:rPr lang="zh-CN" altLang="en-US"/>
               <a:t>第三级</a:t>
             </a:r>
           </a:p>
           <a:p>
             <a:pPr lvl="3"/>
             <a:r>
-              <a:rPr lang="zh-CN" altLang="en-US" smtClean="0"/>
+              <a:rPr lang="zh-CN" altLang="en-US"/>
               <a:t>第四级</a:t>
             </a:r>
           </a:p>
           <a:p>
             <a:pPr lvl="4"/>
             <a:r>
-              <a:rPr lang="zh-CN" altLang="en-US" smtClean="0"/>
+              <a:rPr lang="zh-CN" altLang="en-US"/>
               <a:t>第五级</a:t>
             </a:r>
-            <a:endParaRPr lang="zh-CN" altLang="en-US"/>
           </a:p>
         </p:txBody>
       </p:sp>
@@ -2571,7 +2545,7 @@
           <a:p>
             <a:fld id="{040B7C12-11E1-412E-B2DA-388387B615FD}" type="datetimeFigureOut">
               <a:rPr lang="zh-CN" altLang="en-US" smtClean="0"/>
-              <a:t>2019/11/19</a:t>
+              <a:t>2019/11/30</a:t>
             </a:fld>
             <a:endParaRPr lang="zh-CN" altLang="en-US"/>
           </a:p>
@@ -3021,7 +2995,7 @@
           <a:p>
             <a:pPr algn="ctr"/>
             <a:r>
-              <a:rPr lang="en-US" altLang="zh-CN" sz="3200" dirty="0" smtClean="0">
+              <a:rPr lang="en-US" altLang="zh-CN" sz="3200" dirty="0">
                 <a:solidFill>
                   <a:sysClr val="windowText" lastClr="000000"/>
                 </a:solidFill>
@@ -3062,16 +3036,12 @@
           <a:lstStyle/>
           <a:p>
             <a:r>
-              <a:rPr lang="zh-CN" altLang="en-US" sz="3200" dirty="0" smtClean="0">
+              <a:rPr lang="zh-CN" altLang="en-US" sz="3200" dirty="0">
                 <a:latin typeface="Times New Roman" panose="02020603050405020304" pitchFamily="18" charset="0"/>
                 <a:cs typeface="Times New Roman" panose="02020603050405020304" pitchFamily="18" charset="0"/>
               </a:rPr>
               <a:t>parent1 </a:t>
             </a:r>
-            <a:endParaRPr lang="zh-CN" altLang="en-US" sz="3200" dirty="0">
-              <a:latin typeface="Times New Roman" panose="02020603050405020304" pitchFamily="18" charset="0"/>
-              <a:cs typeface="Times New Roman" panose="02020603050405020304" pitchFamily="18" charset="0"/>
-            </a:endParaRPr>
           </a:p>
         </p:txBody>
       </p:sp>
@@ -3097,30 +3067,26 @@
           <a:lstStyle/>
           <a:p>
             <a:r>
-              <a:rPr lang="zh-CN" altLang="en-US" sz="3200" dirty="0" smtClean="0">
+              <a:rPr lang="zh-CN" altLang="en-US" sz="3200" dirty="0">
                 <a:latin typeface="Times New Roman" panose="02020603050405020304" pitchFamily="18" charset="0"/>
                 <a:cs typeface="Times New Roman" panose="02020603050405020304" pitchFamily="18" charset="0"/>
               </a:rPr>
               <a:t>parent</a:t>
             </a:r>
             <a:r>
-              <a:rPr lang="en-US" altLang="zh-CN" sz="3200" dirty="0" smtClean="0">
+              <a:rPr lang="en-US" altLang="zh-CN" sz="3200" dirty="0">
                 <a:latin typeface="Times New Roman" panose="02020603050405020304" pitchFamily="18" charset="0"/>
                 <a:cs typeface="Times New Roman" panose="02020603050405020304" pitchFamily="18" charset="0"/>
               </a:rPr>
               <a:t>2</a:t>
             </a:r>
             <a:r>
-              <a:rPr lang="zh-CN" altLang="en-US" sz="3200" dirty="0" smtClean="0">
+              <a:rPr lang="zh-CN" altLang="en-US" sz="3200" dirty="0">
                 <a:latin typeface="Times New Roman" panose="02020603050405020304" pitchFamily="18" charset="0"/>
                 <a:cs typeface="Times New Roman" panose="02020603050405020304" pitchFamily="18" charset="0"/>
               </a:rPr>
               <a:t> </a:t>
             </a:r>
-            <a:endParaRPr lang="zh-CN" altLang="en-US" sz="3200" dirty="0">
-              <a:latin typeface="Times New Roman" panose="02020603050405020304" pitchFamily="18" charset="0"/>
-              <a:cs typeface="Times New Roman" panose="02020603050405020304" pitchFamily="18" charset="0"/>
-            </a:endParaRPr>
           </a:p>
         </p:txBody>
       </p:sp>
@@ -3489,7 +3455,7 @@
           <a:p>
             <a:pPr algn="ctr"/>
             <a:r>
-              <a:rPr lang="en-US" altLang="zh-CN" sz="3200" dirty="0" smtClean="0">
+              <a:rPr lang="en-US" altLang="zh-CN" sz="3200" dirty="0">
                 <a:solidFill>
                   <a:sysClr val="windowText" lastClr="000000"/>
                 </a:solidFill>
@@ -3617,7 +3583,7 @@
           <a:p>
             <a:pPr algn="ctr"/>
             <a:r>
-              <a:rPr lang="en-US" altLang="zh-CN" sz="3200" dirty="0" smtClean="0">
+              <a:rPr lang="en-US" altLang="zh-CN" sz="3200" dirty="0">
                 <a:solidFill>
                   <a:sysClr val="windowText" lastClr="000000"/>
                 </a:solidFill>
@@ -3937,7 +3903,7 @@
           <a:p>
             <a:pPr algn="ctr"/>
             <a:r>
-              <a:rPr lang="en-US" altLang="zh-CN" sz="3200" dirty="0" smtClean="0">
+              <a:rPr lang="en-US" altLang="zh-CN" sz="3200" dirty="0">
                 <a:solidFill>
                   <a:sysClr val="windowText" lastClr="000000"/>
                 </a:solidFill>
@@ -4001,7 +3967,7 @@
           <a:p>
             <a:pPr algn="ctr"/>
             <a:r>
-              <a:rPr lang="en-US" altLang="zh-CN" sz="3200" dirty="0" smtClean="0">
+              <a:rPr lang="en-US" altLang="zh-CN" sz="3200" dirty="0">
                 <a:solidFill>
                   <a:sysClr val="windowText" lastClr="000000"/>
                 </a:solidFill>
@@ -4042,7 +4008,7 @@
           <a:lstStyle/>
           <a:p>
             <a:r>
-              <a:rPr lang="zh-CN" altLang="en-US" sz="3200" dirty="0" smtClean="0">
+              <a:rPr lang="zh-CN" altLang="en-US" sz="3200" dirty="0">
                 <a:latin typeface="Times New Roman" panose="02020603050405020304" pitchFamily="18" charset="0"/>
                 <a:cs typeface="Times New Roman" panose="02020603050405020304" pitchFamily="18" charset="0"/>
               </a:rPr>
@@ -4053,23 +4019,9 @@
                 <a:latin typeface="Times New Roman" panose="02020603050405020304" pitchFamily="18" charset="0"/>
                 <a:cs typeface="Times New Roman" panose="02020603050405020304" pitchFamily="18" charset="0"/>
               </a:rPr>
-              <a:t>Subtour Exchange </a:t>
-            </a:r>
-            <a:r>
-              <a:rPr lang="en-US" altLang="zh-CN" sz="3200" dirty="0" smtClean="0">
-                <a:latin typeface="Times New Roman" panose="02020603050405020304" pitchFamily="18" charset="0"/>
-                <a:cs typeface="Times New Roman" panose="02020603050405020304" pitchFamily="18" charset="0"/>
-              </a:rPr>
-              <a:t>Crossover</a:t>
-            </a:r>
-            <a:r>
-              <a:rPr lang="en-US" altLang="zh-CN" sz="3200" dirty="0" smtClean="0">
-                <a:latin typeface="Times New Roman" panose="02020603050405020304" pitchFamily="18" charset="0"/>
-                <a:cs typeface="Times New Roman" panose="02020603050405020304" pitchFamily="18" charset="0"/>
-              </a:rPr>
-              <a:t>)</a:t>
-            </a:r>
-            <a:endParaRPr lang="zh-CN" altLang="en-US" sz="3200" dirty="0" smtClean="0">
+              <a:t>Subtour Exchange Crossover)</a:t>
+            </a:r>
+            <a:endParaRPr lang="zh-CN" altLang="en-US" sz="3200" dirty="0">
               <a:latin typeface="Times New Roman" panose="02020603050405020304" pitchFamily="18" charset="0"/>
               <a:cs typeface="Times New Roman" panose="02020603050405020304" pitchFamily="18" charset="0"/>
             </a:endParaRPr>
@@ -4134,23 +4086,12 @@
           <a:lstStyle/>
           <a:p>
             <a:r>
-              <a:rPr lang="zh-CN" altLang="en-US" sz="3200" dirty="0" smtClean="0">
+              <a:rPr lang="zh-CN" altLang="en-US" sz="3200" dirty="0">
                 <a:latin typeface="Times New Roman" panose="02020603050405020304" pitchFamily="18" charset="0"/>
                 <a:cs typeface="Times New Roman" panose="02020603050405020304" pitchFamily="18" charset="0"/>
               </a:rPr>
-              <a:t>随机</a:t>
-            </a:r>
-            <a:r>
-              <a:rPr lang="zh-CN" altLang="en-US" sz="3200" dirty="0" smtClean="0">
-                <a:latin typeface="Times New Roman" panose="02020603050405020304" pitchFamily="18" charset="0"/>
-                <a:cs typeface="Times New Roman" panose="02020603050405020304" pitchFamily="18" charset="0"/>
-              </a:rPr>
-              <a:t>选择一组基因</a:t>
-            </a:r>
-            <a:endParaRPr lang="zh-CN" altLang="en-US" sz="3200" dirty="0" smtClean="0">
-              <a:latin typeface="Times New Roman" panose="02020603050405020304" pitchFamily="18" charset="0"/>
-              <a:cs typeface="Times New Roman" panose="02020603050405020304" pitchFamily="18" charset="0"/>
-            </a:endParaRPr>
+              <a:t>随机选择一组基因</a:t>
+            </a:r>
           </a:p>
         </p:txBody>
       </p:sp>
@@ -5088,6 +5029,3718 @@
 </p:sld>
 </file>
 
+<file path=ppt/slides/slide2.xml><?xml version="1.0" encoding="utf-8"?>
+<p:sld xmlns:a="http://schemas.openxmlformats.org/drawingml/2006/main" xmlns:r="http://schemas.openxmlformats.org/officeDocument/2006/relationships" xmlns:p="http://schemas.openxmlformats.org/presentationml/2006/main">
+  <p:cSld>
+    <p:spTree>
+      <p:nvGrpSpPr>
+        <p:cNvPr id="1" name=""/>
+        <p:cNvGrpSpPr/>
+        <p:nvPr/>
+      </p:nvGrpSpPr>
+      <p:grpSpPr>
+        <a:xfrm>
+          <a:off x="0" y="0"/>
+          <a:ext cx="0" cy="0"/>
+          <a:chOff x="0" y="0"/>
+          <a:chExt cx="0" cy="0"/>
+        </a:xfrm>
+      </p:grpSpPr>
+      <p:sp>
+        <p:nvSpPr>
+          <p:cNvPr id="99" name="矩形 98"/>
+          <p:cNvSpPr/>
+          <p:nvPr/>
+        </p:nvSpPr>
+        <p:spPr>
+          <a:xfrm>
+            <a:off x="4189112" y="3324302"/>
+            <a:ext cx="716175" cy="515259"/>
+          </a:xfrm>
+          <a:prstGeom prst="rect">
+            <a:avLst/>
+          </a:prstGeom>
+          <a:solidFill>
+            <a:srgbClr val="FFC000"/>
+          </a:solidFill>
+          <a:ln w="6350">
+            <a:solidFill>
+              <a:schemeClr val="tx1"/>
+            </a:solidFill>
+          </a:ln>
+        </p:spPr>
+        <p:style>
+          <a:lnRef idx="2">
+            <a:schemeClr val="accent1">
+              <a:shade val="50000"/>
+            </a:schemeClr>
+          </a:lnRef>
+          <a:fillRef idx="1">
+            <a:schemeClr val="accent1"/>
+          </a:fillRef>
+          <a:effectRef idx="0">
+            <a:schemeClr val="accent1"/>
+          </a:effectRef>
+          <a:fontRef idx="minor">
+            <a:schemeClr val="lt1"/>
+          </a:fontRef>
+        </p:style>
+        <p:txBody>
+          <a:bodyPr rtlCol="0" anchor="ctr"/>
+          <a:lstStyle/>
+          <a:p>
+            <a:pPr algn="ctr"/>
+            <a:r>
+              <a:rPr lang="en-US" altLang="zh-CN" sz="3200" dirty="0">
+                <a:solidFill>
+                  <a:sysClr val="windowText" lastClr="000000"/>
+                </a:solidFill>
+                <a:latin typeface="Times New Roman" panose="02020603050405020304" pitchFamily="18" charset="0"/>
+                <a:cs typeface="Times New Roman" panose="02020603050405020304" pitchFamily="18" charset="0"/>
+              </a:rPr>
+              <a:t>1</a:t>
+            </a:r>
+            <a:endParaRPr lang="zh-CN" altLang="en-US" sz="3200" dirty="0">
+              <a:solidFill>
+                <a:sysClr val="windowText" lastClr="000000"/>
+              </a:solidFill>
+              <a:latin typeface="Times New Roman" panose="02020603050405020304" pitchFamily="18" charset="0"/>
+              <a:cs typeface="Times New Roman" panose="02020603050405020304" pitchFamily="18" charset="0"/>
+            </a:endParaRPr>
+          </a:p>
+        </p:txBody>
+      </p:sp>
+      <p:sp>
+        <p:nvSpPr>
+          <p:cNvPr id="122" name="矩形 121"/>
+          <p:cNvSpPr/>
+          <p:nvPr/>
+        </p:nvSpPr>
+        <p:spPr>
+          <a:xfrm>
+            <a:off x="2095256" y="3324302"/>
+            <a:ext cx="1518364" cy="584776"/>
+          </a:xfrm>
+          <a:prstGeom prst="rect">
+            <a:avLst/>
+          </a:prstGeom>
+        </p:spPr>
+        <p:txBody>
+          <a:bodyPr wrap="none">
+            <a:spAutoFit/>
+          </a:bodyPr>
+          <a:lstStyle/>
+          <a:p>
+            <a:r>
+              <a:rPr lang="zh-CN" altLang="en-US" sz="3200" dirty="0">
+                <a:latin typeface="Times New Roman" panose="02020603050405020304" pitchFamily="18" charset="0"/>
+                <a:cs typeface="Times New Roman" panose="02020603050405020304" pitchFamily="18" charset="0"/>
+              </a:rPr>
+              <a:t>parent1 </a:t>
+            </a:r>
+          </a:p>
+        </p:txBody>
+      </p:sp>
+      <p:sp>
+        <p:nvSpPr>
+          <p:cNvPr id="123" name="矩形 122"/>
+          <p:cNvSpPr/>
+          <p:nvPr/>
+        </p:nvSpPr>
+        <p:spPr>
+          <a:xfrm>
+            <a:off x="2082449" y="4439954"/>
+            <a:ext cx="1518364" cy="584776"/>
+          </a:xfrm>
+          <a:prstGeom prst="rect">
+            <a:avLst/>
+          </a:prstGeom>
+        </p:spPr>
+        <p:txBody>
+          <a:bodyPr wrap="none">
+            <a:spAutoFit/>
+          </a:bodyPr>
+          <a:lstStyle/>
+          <a:p>
+            <a:r>
+              <a:rPr lang="zh-CN" altLang="en-US" sz="3200" dirty="0">
+                <a:latin typeface="Times New Roman" panose="02020603050405020304" pitchFamily="18" charset="0"/>
+                <a:cs typeface="Times New Roman" panose="02020603050405020304" pitchFamily="18" charset="0"/>
+              </a:rPr>
+              <a:t>parent</a:t>
+            </a:r>
+            <a:r>
+              <a:rPr lang="en-US" altLang="zh-CN" sz="3200" dirty="0">
+                <a:latin typeface="Times New Roman" panose="02020603050405020304" pitchFamily="18" charset="0"/>
+                <a:cs typeface="Times New Roman" panose="02020603050405020304" pitchFamily="18" charset="0"/>
+              </a:rPr>
+              <a:t>2</a:t>
+            </a:r>
+            <a:r>
+              <a:rPr lang="zh-CN" altLang="en-US" sz="3200" dirty="0">
+                <a:latin typeface="Times New Roman" panose="02020603050405020304" pitchFamily="18" charset="0"/>
+                <a:cs typeface="Times New Roman" panose="02020603050405020304" pitchFamily="18" charset="0"/>
+              </a:rPr>
+              <a:t> </a:t>
+            </a:r>
+          </a:p>
+        </p:txBody>
+      </p:sp>
+      <p:sp>
+        <p:nvSpPr>
+          <p:cNvPr id="96" name="矩形 95"/>
+          <p:cNvSpPr/>
+          <p:nvPr/>
+        </p:nvSpPr>
+        <p:spPr>
+          <a:xfrm>
+            <a:off x="4905286" y="3324302"/>
+            <a:ext cx="716175" cy="515259"/>
+          </a:xfrm>
+          <a:prstGeom prst="rect">
+            <a:avLst/>
+          </a:prstGeom>
+          <a:solidFill>
+            <a:srgbClr val="FF0000"/>
+          </a:solidFill>
+          <a:ln w="6350">
+            <a:solidFill>
+              <a:schemeClr val="tx1"/>
+            </a:solidFill>
+          </a:ln>
+        </p:spPr>
+        <p:style>
+          <a:lnRef idx="2">
+            <a:schemeClr val="accent1">
+              <a:shade val="50000"/>
+            </a:schemeClr>
+          </a:lnRef>
+          <a:fillRef idx="1">
+            <a:schemeClr val="accent1"/>
+          </a:fillRef>
+          <a:effectRef idx="0">
+            <a:schemeClr val="accent1"/>
+          </a:effectRef>
+          <a:fontRef idx="minor">
+            <a:schemeClr val="lt1"/>
+          </a:fontRef>
+        </p:style>
+        <p:txBody>
+          <a:bodyPr rtlCol="0" anchor="ctr"/>
+          <a:lstStyle/>
+          <a:p>
+            <a:pPr algn="ctr"/>
+            <a:r>
+              <a:rPr lang="en-US" altLang="zh-CN" sz="3200" dirty="0">
+                <a:solidFill>
+                  <a:sysClr val="windowText" lastClr="000000"/>
+                </a:solidFill>
+                <a:latin typeface="Times New Roman" panose="02020603050405020304" pitchFamily="18" charset="0"/>
+                <a:cs typeface="Times New Roman" panose="02020603050405020304" pitchFamily="18" charset="0"/>
+              </a:rPr>
+              <a:t>2</a:t>
+            </a:r>
+            <a:endParaRPr lang="zh-CN" altLang="en-US" sz="3200" dirty="0">
+              <a:solidFill>
+                <a:sysClr val="windowText" lastClr="000000"/>
+              </a:solidFill>
+              <a:latin typeface="Times New Roman" panose="02020603050405020304" pitchFamily="18" charset="0"/>
+              <a:cs typeface="Times New Roman" panose="02020603050405020304" pitchFamily="18" charset="0"/>
+            </a:endParaRPr>
+          </a:p>
+        </p:txBody>
+      </p:sp>
+      <p:sp>
+        <p:nvSpPr>
+          <p:cNvPr id="97" name="矩形 96"/>
+          <p:cNvSpPr/>
+          <p:nvPr/>
+        </p:nvSpPr>
+        <p:spPr>
+          <a:xfrm>
+            <a:off x="5621461" y="3324302"/>
+            <a:ext cx="716175" cy="515259"/>
+          </a:xfrm>
+          <a:prstGeom prst="rect">
+            <a:avLst/>
+          </a:prstGeom>
+          <a:solidFill>
+            <a:srgbClr val="FFC000"/>
+          </a:solidFill>
+          <a:ln w="6350">
+            <a:solidFill>
+              <a:schemeClr val="tx1"/>
+            </a:solidFill>
+          </a:ln>
+        </p:spPr>
+        <p:style>
+          <a:lnRef idx="2">
+            <a:schemeClr val="accent1">
+              <a:shade val="50000"/>
+            </a:schemeClr>
+          </a:lnRef>
+          <a:fillRef idx="1">
+            <a:schemeClr val="accent1"/>
+          </a:fillRef>
+          <a:effectRef idx="0">
+            <a:schemeClr val="accent1"/>
+          </a:effectRef>
+          <a:fontRef idx="minor">
+            <a:schemeClr val="lt1"/>
+          </a:fontRef>
+        </p:style>
+        <p:txBody>
+          <a:bodyPr rtlCol="0" anchor="ctr"/>
+          <a:lstStyle/>
+          <a:p>
+            <a:pPr algn="ctr"/>
+            <a:r>
+              <a:rPr lang="en-US" altLang="zh-CN" sz="3200" dirty="0">
+                <a:solidFill>
+                  <a:sysClr val="windowText" lastClr="000000"/>
+                </a:solidFill>
+                <a:latin typeface="Times New Roman" panose="02020603050405020304" pitchFamily="18" charset="0"/>
+                <a:cs typeface="Times New Roman" panose="02020603050405020304" pitchFamily="18" charset="0"/>
+              </a:rPr>
+              <a:t>3</a:t>
+            </a:r>
+            <a:endParaRPr lang="zh-CN" altLang="en-US" sz="3200" dirty="0">
+              <a:solidFill>
+                <a:sysClr val="windowText" lastClr="000000"/>
+              </a:solidFill>
+              <a:latin typeface="Times New Roman" panose="02020603050405020304" pitchFamily="18" charset="0"/>
+              <a:cs typeface="Times New Roman" panose="02020603050405020304" pitchFamily="18" charset="0"/>
+            </a:endParaRPr>
+          </a:p>
+        </p:txBody>
+      </p:sp>
+      <p:sp>
+        <p:nvSpPr>
+          <p:cNvPr id="98" name="矩形 97"/>
+          <p:cNvSpPr/>
+          <p:nvPr/>
+        </p:nvSpPr>
+        <p:spPr>
+          <a:xfrm>
+            <a:off x="6337636" y="3324302"/>
+            <a:ext cx="716175" cy="515259"/>
+          </a:xfrm>
+          <a:prstGeom prst="rect">
+            <a:avLst/>
+          </a:prstGeom>
+          <a:solidFill>
+            <a:srgbClr val="FF0000"/>
+          </a:solidFill>
+          <a:ln w="6350">
+            <a:solidFill>
+              <a:schemeClr val="tx1"/>
+            </a:solidFill>
+          </a:ln>
+        </p:spPr>
+        <p:style>
+          <a:lnRef idx="2">
+            <a:schemeClr val="accent1">
+              <a:shade val="50000"/>
+            </a:schemeClr>
+          </a:lnRef>
+          <a:fillRef idx="1">
+            <a:schemeClr val="accent1"/>
+          </a:fillRef>
+          <a:effectRef idx="0">
+            <a:schemeClr val="accent1"/>
+          </a:effectRef>
+          <a:fontRef idx="minor">
+            <a:schemeClr val="lt1"/>
+          </a:fontRef>
+        </p:style>
+        <p:txBody>
+          <a:bodyPr rtlCol="0" anchor="ctr"/>
+          <a:lstStyle/>
+          <a:p>
+            <a:pPr algn="ctr"/>
+            <a:r>
+              <a:rPr lang="en-US" altLang="zh-CN" sz="3200" dirty="0">
+                <a:solidFill>
+                  <a:sysClr val="windowText" lastClr="000000"/>
+                </a:solidFill>
+                <a:latin typeface="Times New Roman" panose="02020603050405020304" pitchFamily="18" charset="0"/>
+                <a:cs typeface="Times New Roman" panose="02020603050405020304" pitchFamily="18" charset="0"/>
+              </a:rPr>
+              <a:t>4</a:t>
+            </a:r>
+            <a:endParaRPr lang="zh-CN" altLang="en-US" sz="3200" dirty="0">
+              <a:solidFill>
+                <a:sysClr val="windowText" lastClr="000000"/>
+              </a:solidFill>
+              <a:latin typeface="Times New Roman" panose="02020603050405020304" pitchFamily="18" charset="0"/>
+              <a:cs typeface="Times New Roman" panose="02020603050405020304" pitchFamily="18" charset="0"/>
+            </a:endParaRPr>
+          </a:p>
+        </p:txBody>
+      </p:sp>
+      <p:sp>
+        <p:nvSpPr>
+          <p:cNvPr id="121" name="矩形 120"/>
+          <p:cNvSpPr/>
+          <p:nvPr/>
+        </p:nvSpPr>
+        <p:spPr>
+          <a:xfrm>
+            <a:off x="7053810" y="3324302"/>
+            <a:ext cx="716175" cy="515259"/>
+          </a:xfrm>
+          <a:prstGeom prst="rect">
+            <a:avLst/>
+          </a:prstGeom>
+          <a:solidFill>
+            <a:srgbClr val="FF0000"/>
+          </a:solidFill>
+          <a:ln w="6350">
+            <a:solidFill>
+              <a:schemeClr val="tx1"/>
+            </a:solidFill>
+          </a:ln>
+        </p:spPr>
+        <p:style>
+          <a:lnRef idx="2">
+            <a:schemeClr val="accent1">
+              <a:shade val="50000"/>
+            </a:schemeClr>
+          </a:lnRef>
+          <a:fillRef idx="1">
+            <a:schemeClr val="accent1"/>
+          </a:fillRef>
+          <a:effectRef idx="0">
+            <a:schemeClr val="accent1"/>
+          </a:effectRef>
+          <a:fontRef idx="minor">
+            <a:schemeClr val="lt1"/>
+          </a:fontRef>
+        </p:style>
+        <p:txBody>
+          <a:bodyPr rtlCol="0" anchor="ctr"/>
+          <a:lstStyle/>
+          <a:p>
+            <a:pPr algn="ctr"/>
+            <a:r>
+              <a:rPr lang="en-US" altLang="zh-CN" sz="3200" dirty="0">
+                <a:solidFill>
+                  <a:sysClr val="windowText" lastClr="000000"/>
+                </a:solidFill>
+                <a:latin typeface="Times New Roman" panose="02020603050405020304" pitchFamily="18" charset="0"/>
+                <a:cs typeface="Times New Roman" panose="02020603050405020304" pitchFamily="18" charset="0"/>
+              </a:rPr>
+              <a:t>5</a:t>
+            </a:r>
+            <a:endParaRPr lang="zh-CN" altLang="en-US" sz="3200" dirty="0">
+              <a:solidFill>
+                <a:sysClr val="windowText" lastClr="000000"/>
+              </a:solidFill>
+              <a:latin typeface="Times New Roman" panose="02020603050405020304" pitchFamily="18" charset="0"/>
+              <a:cs typeface="Times New Roman" panose="02020603050405020304" pitchFamily="18" charset="0"/>
+            </a:endParaRPr>
+          </a:p>
+        </p:txBody>
+      </p:sp>
+      <p:sp>
+        <p:nvSpPr>
+          <p:cNvPr id="194" name="矩形 193"/>
+          <p:cNvSpPr/>
+          <p:nvPr/>
+        </p:nvSpPr>
+        <p:spPr>
+          <a:xfrm>
+            <a:off x="7769985" y="3324302"/>
+            <a:ext cx="716175" cy="515259"/>
+          </a:xfrm>
+          <a:prstGeom prst="rect">
+            <a:avLst/>
+          </a:prstGeom>
+          <a:solidFill>
+            <a:srgbClr val="FFC000"/>
+          </a:solidFill>
+          <a:ln w="6350">
+            <a:solidFill>
+              <a:schemeClr val="tx1"/>
+            </a:solidFill>
+          </a:ln>
+        </p:spPr>
+        <p:style>
+          <a:lnRef idx="2">
+            <a:schemeClr val="accent1">
+              <a:shade val="50000"/>
+            </a:schemeClr>
+          </a:lnRef>
+          <a:fillRef idx="1">
+            <a:schemeClr val="accent1"/>
+          </a:fillRef>
+          <a:effectRef idx="0">
+            <a:schemeClr val="accent1"/>
+          </a:effectRef>
+          <a:fontRef idx="minor">
+            <a:schemeClr val="lt1"/>
+          </a:fontRef>
+        </p:style>
+        <p:txBody>
+          <a:bodyPr rtlCol="0" anchor="ctr"/>
+          <a:lstStyle/>
+          <a:p>
+            <a:pPr algn="ctr"/>
+            <a:r>
+              <a:rPr lang="en-US" altLang="zh-CN" sz="3200" dirty="0">
+                <a:solidFill>
+                  <a:sysClr val="windowText" lastClr="000000"/>
+                </a:solidFill>
+                <a:latin typeface="Times New Roman" panose="02020603050405020304" pitchFamily="18" charset="0"/>
+                <a:cs typeface="Times New Roman" panose="02020603050405020304" pitchFamily="18" charset="0"/>
+              </a:rPr>
+              <a:t>6</a:t>
+            </a:r>
+            <a:endParaRPr lang="zh-CN" altLang="en-US" sz="3200" dirty="0">
+              <a:solidFill>
+                <a:sysClr val="windowText" lastClr="000000"/>
+              </a:solidFill>
+              <a:latin typeface="Times New Roman" panose="02020603050405020304" pitchFamily="18" charset="0"/>
+              <a:cs typeface="Times New Roman" panose="02020603050405020304" pitchFamily="18" charset="0"/>
+            </a:endParaRPr>
+          </a:p>
+        </p:txBody>
+      </p:sp>
+      <p:sp>
+        <p:nvSpPr>
+          <p:cNvPr id="195" name="矩形 194"/>
+          <p:cNvSpPr/>
+          <p:nvPr/>
+        </p:nvSpPr>
+        <p:spPr>
+          <a:xfrm>
+            <a:off x="8486160" y="3324302"/>
+            <a:ext cx="716175" cy="515259"/>
+          </a:xfrm>
+          <a:prstGeom prst="rect">
+            <a:avLst/>
+          </a:prstGeom>
+          <a:solidFill>
+            <a:srgbClr val="FFC000"/>
+          </a:solidFill>
+          <a:ln w="6350">
+            <a:solidFill>
+              <a:schemeClr val="tx1"/>
+            </a:solidFill>
+          </a:ln>
+        </p:spPr>
+        <p:style>
+          <a:lnRef idx="2">
+            <a:schemeClr val="accent1">
+              <a:shade val="50000"/>
+            </a:schemeClr>
+          </a:lnRef>
+          <a:fillRef idx="1">
+            <a:schemeClr val="accent1"/>
+          </a:fillRef>
+          <a:effectRef idx="0">
+            <a:schemeClr val="accent1"/>
+          </a:effectRef>
+          <a:fontRef idx="minor">
+            <a:schemeClr val="lt1"/>
+          </a:fontRef>
+        </p:style>
+        <p:txBody>
+          <a:bodyPr rtlCol="0" anchor="ctr"/>
+          <a:lstStyle/>
+          <a:p>
+            <a:pPr algn="ctr"/>
+            <a:r>
+              <a:rPr lang="en-US" altLang="zh-CN" sz="3200" dirty="0">
+                <a:solidFill>
+                  <a:sysClr val="windowText" lastClr="000000"/>
+                </a:solidFill>
+                <a:latin typeface="Times New Roman" panose="02020603050405020304" pitchFamily="18" charset="0"/>
+                <a:cs typeface="Times New Roman" panose="02020603050405020304" pitchFamily="18" charset="0"/>
+              </a:rPr>
+              <a:t>7</a:t>
+            </a:r>
+            <a:endParaRPr lang="zh-CN" altLang="en-US" sz="3200" dirty="0">
+              <a:solidFill>
+                <a:sysClr val="windowText" lastClr="000000"/>
+              </a:solidFill>
+              <a:latin typeface="Times New Roman" panose="02020603050405020304" pitchFamily="18" charset="0"/>
+              <a:cs typeface="Times New Roman" panose="02020603050405020304" pitchFamily="18" charset="0"/>
+            </a:endParaRPr>
+          </a:p>
+        </p:txBody>
+      </p:sp>
+      <p:sp>
+        <p:nvSpPr>
+          <p:cNvPr id="196" name="矩形 195"/>
+          <p:cNvSpPr/>
+          <p:nvPr/>
+        </p:nvSpPr>
+        <p:spPr>
+          <a:xfrm>
+            <a:off x="9202334" y="3324302"/>
+            <a:ext cx="716175" cy="515259"/>
+          </a:xfrm>
+          <a:prstGeom prst="rect">
+            <a:avLst/>
+          </a:prstGeom>
+          <a:solidFill>
+            <a:srgbClr val="FFC000"/>
+          </a:solidFill>
+          <a:ln w="6350">
+            <a:solidFill>
+              <a:schemeClr val="tx1"/>
+            </a:solidFill>
+          </a:ln>
+        </p:spPr>
+        <p:style>
+          <a:lnRef idx="2">
+            <a:schemeClr val="accent1">
+              <a:shade val="50000"/>
+            </a:schemeClr>
+          </a:lnRef>
+          <a:fillRef idx="1">
+            <a:schemeClr val="accent1"/>
+          </a:fillRef>
+          <a:effectRef idx="0">
+            <a:schemeClr val="accent1"/>
+          </a:effectRef>
+          <a:fontRef idx="minor">
+            <a:schemeClr val="lt1"/>
+          </a:fontRef>
+        </p:style>
+        <p:txBody>
+          <a:bodyPr rtlCol="0" anchor="ctr"/>
+          <a:lstStyle/>
+          <a:p>
+            <a:pPr algn="ctr"/>
+            <a:r>
+              <a:rPr lang="en-US" altLang="zh-CN" sz="3200" dirty="0">
+                <a:solidFill>
+                  <a:sysClr val="windowText" lastClr="000000"/>
+                </a:solidFill>
+                <a:latin typeface="Times New Roman" panose="02020603050405020304" pitchFamily="18" charset="0"/>
+                <a:cs typeface="Times New Roman" panose="02020603050405020304" pitchFamily="18" charset="0"/>
+              </a:rPr>
+              <a:t>8</a:t>
+            </a:r>
+            <a:endParaRPr lang="zh-CN" altLang="en-US" sz="3200" dirty="0">
+              <a:solidFill>
+                <a:sysClr val="windowText" lastClr="000000"/>
+              </a:solidFill>
+              <a:latin typeface="Times New Roman" panose="02020603050405020304" pitchFamily="18" charset="0"/>
+              <a:cs typeface="Times New Roman" panose="02020603050405020304" pitchFamily="18" charset="0"/>
+            </a:endParaRPr>
+          </a:p>
+        </p:txBody>
+      </p:sp>
+      <p:sp>
+        <p:nvSpPr>
+          <p:cNvPr id="197" name="矩形 196"/>
+          <p:cNvSpPr/>
+          <p:nvPr/>
+        </p:nvSpPr>
+        <p:spPr>
+          <a:xfrm>
+            <a:off x="4905286" y="4479672"/>
+            <a:ext cx="716175" cy="515259"/>
+          </a:xfrm>
+          <a:prstGeom prst="rect">
+            <a:avLst/>
+          </a:prstGeom>
+          <a:solidFill>
+            <a:srgbClr val="FF0000"/>
+          </a:solidFill>
+          <a:ln w="6350">
+            <a:solidFill>
+              <a:schemeClr val="tx1"/>
+            </a:solidFill>
+          </a:ln>
+        </p:spPr>
+        <p:style>
+          <a:lnRef idx="2">
+            <a:schemeClr val="accent1">
+              <a:shade val="50000"/>
+            </a:schemeClr>
+          </a:lnRef>
+          <a:fillRef idx="1">
+            <a:schemeClr val="accent1"/>
+          </a:fillRef>
+          <a:effectRef idx="0">
+            <a:schemeClr val="accent1"/>
+          </a:effectRef>
+          <a:fontRef idx="minor">
+            <a:schemeClr val="lt1"/>
+          </a:fontRef>
+        </p:style>
+        <p:txBody>
+          <a:bodyPr rtlCol="0" anchor="ctr"/>
+          <a:lstStyle/>
+          <a:p>
+            <a:pPr algn="ctr"/>
+            <a:r>
+              <a:rPr lang="en-US" altLang="zh-CN" sz="3200" dirty="0">
+                <a:solidFill>
+                  <a:sysClr val="windowText" lastClr="000000"/>
+                </a:solidFill>
+                <a:latin typeface="Times New Roman" panose="02020603050405020304" pitchFamily="18" charset="0"/>
+                <a:cs typeface="Times New Roman" panose="02020603050405020304" pitchFamily="18" charset="0"/>
+              </a:rPr>
+              <a:t>5</a:t>
+            </a:r>
+            <a:endParaRPr lang="zh-CN" altLang="en-US" sz="3200" dirty="0">
+              <a:solidFill>
+                <a:sysClr val="windowText" lastClr="000000"/>
+              </a:solidFill>
+              <a:latin typeface="Times New Roman" panose="02020603050405020304" pitchFamily="18" charset="0"/>
+              <a:cs typeface="Times New Roman" panose="02020603050405020304" pitchFamily="18" charset="0"/>
+            </a:endParaRPr>
+          </a:p>
+        </p:txBody>
+      </p:sp>
+      <p:sp>
+        <p:nvSpPr>
+          <p:cNvPr id="198" name="矩形 197"/>
+          <p:cNvSpPr/>
+          <p:nvPr/>
+        </p:nvSpPr>
+        <p:spPr>
+          <a:xfrm>
+            <a:off x="5621461" y="4479672"/>
+            <a:ext cx="716175" cy="515259"/>
+          </a:xfrm>
+          <a:prstGeom prst="rect">
+            <a:avLst/>
+          </a:prstGeom>
+          <a:solidFill>
+            <a:srgbClr val="00B0F0"/>
+          </a:solidFill>
+          <a:ln w="6350">
+            <a:solidFill>
+              <a:schemeClr val="tx1"/>
+            </a:solidFill>
+          </a:ln>
+        </p:spPr>
+        <p:style>
+          <a:lnRef idx="2">
+            <a:schemeClr val="accent1">
+              <a:shade val="50000"/>
+            </a:schemeClr>
+          </a:lnRef>
+          <a:fillRef idx="1">
+            <a:schemeClr val="accent1"/>
+          </a:fillRef>
+          <a:effectRef idx="0">
+            <a:schemeClr val="accent1"/>
+          </a:effectRef>
+          <a:fontRef idx="minor">
+            <a:schemeClr val="lt1"/>
+          </a:fontRef>
+        </p:style>
+        <p:txBody>
+          <a:bodyPr rtlCol="0" anchor="ctr"/>
+          <a:lstStyle/>
+          <a:p>
+            <a:pPr algn="ctr"/>
+            <a:r>
+              <a:rPr lang="en-US" altLang="zh-CN" sz="3200" dirty="0">
+                <a:solidFill>
+                  <a:sysClr val="windowText" lastClr="000000"/>
+                </a:solidFill>
+                <a:latin typeface="Times New Roman" panose="02020603050405020304" pitchFamily="18" charset="0"/>
+                <a:cs typeface="Times New Roman" panose="02020603050405020304" pitchFamily="18" charset="0"/>
+              </a:rPr>
+              <a:t>8</a:t>
+            </a:r>
+            <a:endParaRPr lang="zh-CN" altLang="en-US" sz="3200" dirty="0">
+              <a:solidFill>
+                <a:sysClr val="windowText" lastClr="000000"/>
+              </a:solidFill>
+              <a:latin typeface="Times New Roman" panose="02020603050405020304" pitchFamily="18" charset="0"/>
+              <a:cs typeface="Times New Roman" panose="02020603050405020304" pitchFamily="18" charset="0"/>
+            </a:endParaRPr>
+          </a:p>
+        </p:txBody>
+      </p:sp>
+      <p:sp>
+        <p:nvSpPr>
+          <p:cNvPr id="199" name="矩形 198"/>
+          <p:cNvSpPr/>
+          <p:nvPr/>
+        </p:nvSpPr>
+        <p:spPr>
+          <a:xfrm>
+            <a:off x="6337636" y="4479672"/>
+            <a:ext cx="716175" cy="515259"/>
+          </a:xfrm>
+          <a:prstGeom prst="rect">
+            <a:avLst/>
+          </a:prstGeom>
+          <a:solidFill>
+            <a:srgbClr val="00B0F0"/>
+          </a:solidFill>
+          <a:ln w="6350">
+            <a:solidFill>
+              <a:schemeClr val="tx1"/>
+            </a:solidFill>
+          </a:ln>
+        </p:spPr>
+        <p:style>
+          <a:lnRef idx="2">
+            <a:schemeClr val="accent1">
+              <a:shade val="50000"/>
+            </a:schemeClr>
+          </a:lnRef>
+          <a:fillRef idx="1">
+            <a:schemeClr val="accent1"/>
+          </a:fillRef>
+          <a:effectRef idx="0">
+            <a:schemeClr val="accent1"/>
+          </a:effectRef>
+          <a:fontRef idx="minor">
+            <a:schemeClr val="lt1"/>
+          </a:fontRef>
+        </p:style>
+        <p:txBody>
+          <a:bodyPr rtlCol="0" anchor="ctr"/>
+          <a:lstStyle/>
+          <a:p>
+            <a:pPr algn="ctr"/>
+            <a:r>
+              <a:rPr lang="en-US" altLang="zh-CN" sz="3200" dirty="0">
+                <a:solidFill>
+                  <a:sysClr val="windowText" lastClr="000000"/>
+                </a:solidFill>
+                <a:latin typeface="Times New Roman" panose="02020603050405020304" pitchFamily="18" charset="0"/>
+                <a:cs typeface="Times New Roman" panose="02020603050405020304" pitchFamily="18" charset="0"/>
+              </a:rPr>
+              <a:t>1</a:t>
+            </a:r>
+            <a:endParaRPr lang="zh-CN" altLang="en-US" sz="3200" dirty="0">
+              <a:solidFill>
+                <a:sysClr val="windowText" lastClr="000000"/>
+              </a:solidFill>
+              <a:latin typeface="Times New Roman" panose="02020603050405020304" pitchFamily="18" charset="0"/>
+              <a:cs typeface="Times New Roman" panose="02020603050405020304" pitchFamily="18" charset="0"/>
+            </a:endParaRPr>
+          </a:p>
+        </p:txBody>
+      </p:sp>
+      <p:sp>
+        <p:nvSpPr>
+          <p:cNvPr id="200" name="矩形 199"/>
+          <p:cNvSpPr/>
+          <p:nvPr/>
+        </p:nvSpPr>
+        <p:spPr>
+          <a:xfrm>
+            <a:off x="7053810" y="4479672"/>
+            <a:ext cx="716175" cy="515259"/>
+          </a:xfrm>
+          <a:prstGeom prst="rect">
+            <a:avLst/>
+          </a:prstGeom>
+          <a:solidFill>
+            <a:srgbClr val="00B0F0"/>
+          </a:solidFill>
+          <a:ln w="6350">
+            <a:solidFill>
+              <a:schemeClr val="tx1"/>
+            </a:solidFill>
+          </a:ln>
+        </p:spPr>
+        <p:style>
+          <a:lnRef idx="2">
+            <a:schemeClr val="accent1">
+              <a:shade val="50000"/>
+            </a:schemeClr>
+          </a:lnRef>
+          <a:fillRef idx="1">
+            <a:schemeClr val="accent1"/>
+          </a:fillRef>
+          <a:effectRef idx="0">
+            <a:schemeClr val="accent1"/>
+          </a:effectRef>
+          <a:fontRef idx="minor">
+            <a:schemeClr val="lt1"/>
+          </a:fontRef>
+        </p:style>
+        <p:txBody>
+          <a:bodyPr rtlCol="0" anchor="ctr"/>
+          <a:lstStyle/>
+          <a:p>
+            <a:pPr algn="ctr"/>
+            <a:r>
+              <a:rPr lang="en-US" altLang="zh-CN" sz="3200" dirty="0">
+                <a:solidFill>
+                  <a:sysClr val="windowText" lastClr="000000"/>
+                </a:solidFill>
+                <a:latin typeface="Times New Roman" panose="02020603050405020304" pitchFamily="18" charset="0"/>
+                <a:cs typeface="Times New Roman" panose="02020603050405020304" pitchFamily="18" charset="0"/>
+              </a:rPr>
+              <a:t>7</a:t>
+            </a:r>
+            <a:endParaRPr lang="zh-CN" altLang="en-US" sz="3200" dirty="0">
+              <a:solidFill>
+                <a:sysClr val="windowText" lastClr="000000"/>
+              </a:solidFill>
+              <a:latin typeface="Times New Roman" panose="02020603050405020304" pitchFamily="18" charset="0"/>
+              <a:cs typeface="Times New Roman" panose="02020603050405020304" pitchFamily="18" charset="0"/>
+            </a:endParaRPr>
+          </a:p>
+        </p:txBody>
+      </p:sp>
+      <p:sp>
+        <p:nvSpPr>
+          <p:cNvPr id="201" name="矩形 200"/>
+          <p:cNvSpPr/>
+          <p:nvPr/>
+        </p:nvSpPr>
+        <p:spPr>
+          <a:xfrm>
+            <a:off x="7769985" y="4479672"/>
+            <a:ext cx="716175" cy="515259"/>
+          </a:xfrm>
+          <a:prstGeom prst="rect">
+            <a:avLst/>
+          </a:prstGeom>
+          <a:solidFill>
+            <a:srgbClr val="FF0000"/>
+          </a:solidFill>
+          <a:ln w="6350">
+            <a:solidFill>
+              <a:schemeClr val="tx1"/>
+            </a:solidFill>
+          </a:ln>
+        </p:spPr>
+        <p:style>
+          <a:lnRef idx="2">
+            <a:schemeClr val="accent1">
+              <a:shade val="50000"/>
+            </a:schemeClr>
+          </a:lnRef>
+          <a:fillRef idx="1">
+            <a:schemeClr val="accent1"/>
+          </a:fillRef>
+          <a:effectRef idx="0">
+            <a:schemeClr val="accent1"/>
+          </a:effectRef>
+          <a:fontRef idx="minor">
+            <a:schemeClr val="lt1"/>
+          </a:fontRef>
+        </p:style>
+        <p:txBody>
+          <a:bodyPr rtlCol="0" anchor="ctr"/>
+          <a:lstStyle/>
+          <a:p>
+            <a:pPr algn="ctr"/>
+            <a:r>
+              <a:rPr lang="en-US" altLang="zh-CN" sz="3200" dirty="0">
+                <a:solidFill>
+                  <a:sysClr val="windowText" lastClr="000000"/>
+                </a:solidFill>
+                <a:latin typeface="Times New Roman" panose="02020603050405020304" pitchFamily="18" charset="0"/>
+                <a:cs typeface="Times New Roman" panose="02020603050405020304" pitchFamily="18" charset="0"/>
+              </a:rPr>
+              <a:t>4</a:t>
+            </a:r>
+            <a:endParaRPr lang="zh-CN" altLang="en-US" sz="3200" dirty="0">
+              <a:solidFill>
+                <a:sysClr val="windowText" lastClr="000000"/>
+              </a:solidFill>
+              <a:latin typeface="Times New Roman" panose="02020603050405020304" pitchFamily="18" charset="0"/>
+              <a:cs typeface="Times New Roman" panose="02020603050405020304" pitchFamily="18" charset="0"/>
+            </a:endParaRPr>
+          </a:p>
+        </p:txBody>
+      </p:sp>
+      <p:sp>
+        <p:nvSpPr>
+          <p:cNvPr id="202" name="矩形 201"/>
+          <p:cNvSpPr/>
+          <p:nvPr/>
+        </p:nvSpPr>
+        <p:spPr>
+          <a:xfrm>
+            <a:off x="8486160" y="4479672"/>
+            <a:ext cx="716175" cy="515259"/>
+          </a:xfrm>
+          <a:prstGeom prst="rect">
+            <a:avLst/>
+          </a:prstGeom>
+          <a:solidFill>
+            <a:srgbClr val="FF0000"/>
+          </a:solidFill>
+          <a:ln w="6350">
+            <a:solidFill>
+              <a:schemeClr val="tx1"/>
+            </a:solidFill>
+          </a:ln>
+        </p:spPr>
+        <p:style>
+          <a:lnRef idx="2">
+            <a:schemeClr val="accent1">
+              <a:shade val="50000"/>
+            </a:schemeClr>
+          </a:lnRef>
+          <a:fillRef idx="1">
+            <a:schemeClr val="accent1"/>
+          </a:fillRef>
+          <a:effectRef idx="0">
+            <a:schemeClr val="accent1"/>
+          </a:effectRef>
+          <a:fontRef idx="minor">
+            <a:schemeClr val="lt1"/>
+          </a:fontRef>
+        </p:style>
+        <p:txBody>
+          <a:bodyPr rtlCol="0" anchor="ctr"/>
+          <a:lstStyle/>
+          <a:p>
+            <a:pPr algn="ctr"/>
+            <a:r>
+              <a:rPr lang="en-US" altLang="zh-CN" sz="3200" dirty="0">
+                <a:solidFill>
+                  <a:sysClr val="windowText" lastClr="000000"/>
+                </a:solidFill>
+                <a:latin typeface="Times New Roman" panose="02020603050405020304" pitchFamily="18" charset="0"/>
+                <a:cs typeface="Times New Roman" panose="02020603050405020304" pitchFamily="18" charset="0"/>
+              </a:rPr>
+              <a:t>2</a:t>
+            </a:r>
+            <a:endParaRPr lang="zh-CN" altLang="en-US" sz="3200" dirty="0">
+              <a:solidFill>
+                <a:sysClr val="windowText" lastClr="000000"/>
+              </a:solidFill>
+              <a:latin typeface="Times New Roman" panose="02020603050405020304" pitchFamily="18" charset="0"/>
+              <a:cs typeface="Times New Roman" panose="02020603050405020304" pitchFamily="18" charset="0"/>
+            </a:endParaRPr>
+          </a:p>
+        </p:txBody>
+      </p:sp>
+      <p:sp>
+        <p:nvSpPr>
+          <p:cNvPr id="203" name="矩形 202"/>
+          <p:cNvSpPr/>
+          <p:nvPr/>
+        </p:nvSpPr>
+        <p:spPr>
+          <a:xfrm>
+            <a:off x="9202334" y="4479672"/>
+            <a:ext cx="716175" cy="515259"/>
+          </a:xfrm>
+          <a:prstGeom prst="rect">
+            <a:avLst/>
+          </a:prstGeom>
+          <a:solidFill>
+            <a:srgbClr val="00B0F0"/>
+          </a:solidFill>
+          <a:ln w="6350">
+            <a:solidFill>
+              <a:schemeClr val="tx1"/>
+            </a:solidFill>
+          </a:ln>
+        </p:spPr>
+        <p:style>
+          <a:lnRef idx="2">
+            <a:schemeClr val="accent1">
+              <a:shade val="50000"/>
+            </a:schemeClr>
+          </a:lnRef>
+          <a:fillRef idx="1">
+            <a:schemeClr val="accent1"/>
+          </a:fillRef>
+          <a:effectRef idx="0">
+            <a:schemeClr val="accent1"/>
+          </a:effectRef>
+          <a:fontRef idx="minor">
+            <a:schemeClr val="lt1"/>
+          </a:fontRef>
+        </p:style>
+        <p:txBody>
+          <a:bodyPr rtlCol="0" anchor="ctr"/>
+          <a:lstStyle/>
+          <a:p>
+            <a:pPr algn="ctr"/>
+            <a:r>
+              <a:rPr lang="en-US" altLang="zh-CN" sz="3200" dirty="0">
+                <a:solidFill>
+                  <a:sysClr val="windowText" lastClr="000000"/>
+                </a:solidFill>
+                <a:latin typeface="Times New Roman" panose="02020603050405020304" pitchFamily="18" charset="0"/>
+                <a:cs typeface="Times New Roman" panose="02020603050405020304" pitchFamily="18" charset="0"/>
+              </a:rPr>
+              <a:t>6</a:t>
+            </a:r>
+            <a:endParaRPr lang="zh-CN" altLang="en-US" sz="3200" dirty="0">
+              <a:solidFill>
+                <a:sysClr val="windowText" lastClr="000000"/>
+              </a:solidFill>
+              <a:latin typeface="Times New Roman" panose="02020603050405020304" pitchFamily="18" charset="0"/>
+              <a:cs typeface="Times New Roman" panose="02020603050405020304" pitchFamily="18" charset="0"/>
+            </a:endParaRPr>
+          </a:p>
+        </p:txBody>
+      </p:sp>
+      <p:cxnSp>
+        <p:nvCxnSpPr>
+          <p:cNvPr id="3" name="直接箭头连接符 2"/>
+          <p:cNvCxnSpPr/>
+          <p:nvPr/>
+        </p:nvCxnSpPr>
+        <p:spPr>
+          <a:xfrm>
+            <a:off x="5267079" y="2446020"/>
+            <a:ext cx="2470" cy="878282"/>
+          </a:xfrm>
+          <a:prstGeom prst="straightConnector1">
+            <a:avLst/>
+          </a:prstGeom>
+          <a:ln w="19050">
+            <a:solidFill>
+              <a:srgbClr val="FF0000"/>
+            </a:solidFill>
+            <a:tailEnd type="triangle"/>
+          </a:ln>
+        </p:spPr>
+        <p:style>
+          <a:lnRef idx="1">
+            <a:schemeClr val="accent1"/>
+          </a:lnRef>
+          <a:fillRef idx="0">
+            <a:schemeClr val="accent1"/>
+          </a:fillRef>
+          <a:effectRef idx="0">
+            <a:schemeClr val="accent1"/>
+          </a:effectRef>
+          <a:fontRef idx="minor">
+            <a:schemeClr val="tx1"/>
+          </a:fontRef>
+        </p:style>
+      </p:cxnSp>
+      <p:sp>
+        <p:nvSpPr>
+          <p:cNvPr id="205" name="矩形 204"/>
+          <p:cNvSpPr/>
+          <p:nvPr/>
+        </p:nvSpPr>
+        <p:spPr>
+          <a:xfrm>
+            <a:off x="4905286" y="1498953"/>
+            <a:ext cx="3467616" cy="584775"/>
+          </a:xfrm>
+          <a:prstGeom prst="rect">
+            <a:avLst/>
+          </a:prstGeom>
+        </p:spPr>
+        <p:txBody>
+          <a:bodyPr wrap="none">
+            <a:spAutoFit/>
+          </a:bodyPr>
+          <a:lstStyle/>
+          <a:p>
+            <a:r>
+              <a:rPr lang="zh-CN" altLang="en-US" sz="3200" dirty="0">
+                <a:latin typeface="Times New Roman" panose="02020603050405020304" pitchFamily="18" charset="0"/>
+                <a:cs typeface="Times New Roman" panose="02020603050405020304" pitchFamily="18" charset="0"/>
+              </a:rPr>
+              <a:t>随机选择一组基因</a:t>
+            </a:r>
+          </a:p>
+        </p:txBody>
+      </p:sp>
+      <p:cxnSp>
+        <p:nvCxnSpPr>
+          <p:cNvPr id="30" name="直接箭头连接符 29"/>
+          <p:cNvCxnSpPr/>
+          <p:nvPr/>
+        </p:nvCxnSpPr>
+        <p:spPr>
+          <a:xfrm>
+            <a:off x="7408193" y="2446020"/>
+            <a:ext cx="2470" cy="878282"/>
+          </a:xfrm>
+          <a:prstGeom prst="straightConnector1">
+            <a:avLst/>
+          </a:prstGeom>
+          <a:ln w="19050">
+            <a:solidFill>
+              <a:srgbClr val="FF0000"/>
+            </a:solidFill>
+            <a:tailEnd type="triangle"/>
+          </a:ln>
+        </p:spPr>
+        <p:style>
+          <a:lnRef idx="1">
+            <a:schemeClr val="accent1"/>
+          </a:lnRef>
+          <a:fillRef idx="0">
+            <a:schemeClr val="accent1"/>
+          </a:fillRef>
+          <a:effectRef idx="0">
+            <a:schemeClr val="accent1"/>
+          </a:effectRef>
+          <a:fontRef idx="minor">
+            <a:schemeClr val="tx1"/>
+          </a:fontRef>
+        </p:style>
+      </p:cxnSp>
+      <p:sp>
+        <p:nvSpPr>
+          <p:cNvPr id="46" name="矩形 45"/>
+          <p:cNvSpPr/>
+          <p:nvPr/>
+        </p:nvSpPr>
+        <p:spPr>
+          <a:xfrm>
+            <a:off x="4187668" y="4479456"/>
+            <a:ext cx="716175" cy="515259"/>
+          </a:xfrm>
+          <a:prstGeom prst="rect">
+            <a:avLst/>
+          </a:prstGeom>
+          <a:solidFill>
+            <a:srgbClr val="FF0000"/>
+          </a:solidFill>
+          <a:ln w="6350">
+            <a:solidFill>
+              <a:schemeClr val="tx1"/>
+            </a:solidFill>
+          </a:ln>
+        </p:spPr>
+        <p:style>
+          <a:lnRef idx="2">
+            <a:schemeClr val="accent1">
+              <a:shade val="50000"/>
+            </a:schemeClr>
+          </a:lnRef>
+          <a:fillRef idx="1">
+            <a:schemeClr val="accent1"/>
+          </a:fillRef>
+          <a:effectRef idx="0">
+            <a:schemeClr val="accent1"/>
+          </a:effectRef>
+          <a:fontRef idx="minor">
+            <a:schemeClr val="lt1"/>
+          </a:fontRef>
+        </p:style>
+        <p:txBody>
+          <a:bodyPr rtlCol="0" anchor="ctr"/>
+          <a:lstStyle/>
+          <a:p>
+            <a:pPr algn="ctr"/>
+            <a:r>
+              <a:rPr lang="en-US" altLang="zh-CN" sz="3200" dirty="0">
+                <a:solidFill>
+                  <a:sysClr val="windowText" lastClr="000000"/>
+                </a:solidFill>
+                <a:latin typeface="Times New Roman" panose="02020603050405020304" pitchFamily="18" charset="0"/>
+                <a:cs typeface="Times New Roman" panose="02020603050405020304" pitchFamily="18" charset="0"/>
+              </a:rPr>
+              <a:t>3</a:t>
+            </a:r>
+            <a:endParaRPr lang="zh-CN" altLang="en-US" sz="3200" dirty="0">
+              <a:solidFill>
+                <a:sysClr val="windowText" lastClr="000000"/>
+              </a:solidFill>
+              <a:latin typeface="Times New Roman" panose="02020603050405020304" pitchFamily="18" charset="0"/>
+              <a:cs typeface="Times New Roman" panose="02020603050405020304" pitchFamily="18" charset="0"/>
+            </a:endParaRPr>
+          </a:p>
+        </p:txBody>
+      </p:sp>
+      <p:sp>
+        <p:nvSpPr>
+          <p:cNvPr id="15" name="矩形 14"/>
+          <p:cNvSpPr/>
+          <p:nvPr/>
+        </p:nvSpPr>
+        <p:spPr>
+          <a:xfrm>
+            <a:off x="10449170" y="6440803"/>
+            <a:ext cx="543596" cy="247246"/>
+          </a:xfrm>
+          <a:prstGeom prst="rect">
+            <a:avLst/>
+          </a:prstGeom>
+          <a:noFill/>
+          <a:ln>
+            <a:noFill/>
+          </a:ln>
+        </p:spPr>
+        <p:style>
+          <a:lnRef idx="2">
+            <a:schemeClr val="accent1">
+              <a:shade val="50000"/>
+            </a:schemeClr>
+          </a:lnRef>
+          <a:fillRef idx="1">
+            <a:schemeClr val="accent1"/>
+          </a:fillRef>
+          <a:effectRef idx="0">
+            <a:schemeClr val="accent1"/>
+          </a:effectRef>
+          <a:fontRef idx="minor">
+            <a:schemeClr val="lt1"/>
+          </a:fontRef>
+        </p:style>
+        <p:txBody>
+          <a:bodyPr rtlCol="0" anchor="ctr"/>
+          <a:lstStyle/>
+          <a:p>
+            <a:pPr algn="ctr"/>
+            <a:endParaRPr lang="zh-CN" altLang="en-US"/>
+          </a:p>
+        </p:txBody>
+      </p:sp>
+      <p:sp>
+        <p:nvSpPr>
+          <p:cNvPr id="43" name="矩形 42"/>
+          <p:cNvSpPr/>
+          <p:nvPr/>
+        </p:nvSpPr>
+        <p:spPr>
+          <a:xfrm>
+            <a:off x="5621461" y="3324302"/>
+            <a:ext cx="716175" cy="515259"/>
+          </a:xfrm>
+          <a:prstGeom prst="rect">
+            <a:avLst/>
+          </a:prstGeom>
+          <a:solidFill>
+            <a:srgbClr val="FF0000"/>
+          </a:solidFill>
+          <a:ln w="6350">
+            <a:solidFill>
+              <a:schemeClr val="tx1"/>
+            </a:solidFill>
+          </a:ln>
+        </p:spPr>
+        <p:style>
+          <a:lnRef idx="2">
+            <a:schemeClr val="accent1">
+              <a:shade val="50000"/>
+            </a:schemeClr>
+          </a:lnRef>
+          <a:fillRef idx="1">
+            <a:schemeClr val="accent1"/>
+          </a:fillRef>
+          <a:effectRef idx="0">
+            <a:schemeClr val="accent1"/>
+          </a:effectRef>
+          <a:fontRef idx="minor">
+            <a:schemeClr val="lt1"/>
+          </a:fontRef>
+        </p:style>
+        <p:txBody>
+          <a:bodyPr rtlCol="0" anchor="ctr"/>
+          <a:lstStyle/>
+          <a:p>
+            <a:pPr algn="ctr"/>
+            <a:r>
+              <a:rPr lang="en-US" altLang="zh-CN" sz="3200" dirty="0">
+                <a:solidFill>
+                  <a:sysClr val="windowText" lastClr="000000"/>
+                </a:solidFill>
+                <a:latin typeface="Times New Roman" panose="02020603050405020304" pitchFamily="18" charset="0"/>
+                <a:cs typeface="Times New Roman" panose="02020603050405020304" pitchFamily="18" charset="0"/>
+              </a:rPr>
+              <a:t>3</a:t>
+            </a:r>
+            <a:endParaRPr lang="zh-CN" altLang="en-US" sz="3200" dirty="0">
+              <a:solidFill>
+                <a:sysClr val="windowText" lastClr="000000"/>
+              </a:solidFill>
+              <a:latin typeface="Times New Roman" panose="02020603050405020304" pitchFamily="18" charset="0"/>
+              <a:cs typeface="Times New Roman" panose="02020603050405020304" pitchFamily="18" charset="0"/>
+            </a:endParaRPr>
+          </a:p>
+        </p:txBody>
+      </p:sp>
+      <p:cxnSp>
+        <p:nvCxnSpPr>
+          <p:cNvPr id="52" name="直接箭头连接符 51"/>
+          <p:cNvCxnSpPr/>
+          <p:nvPr/>
+        </p:nvCxnSpPr>
+        <p:spPr>
+          <a:xfrm>
+            <a:off x="6699606" y="2446020"/>
+            <a:ext cx="2470" cy="878282"/>
+          </a:xfrm>
+          <a:prstGeom prst="straightConnector1">
+            <a:avLst/>
+          </a:prstGeom>
+          <a:ln w="19050">
+            <a:solidFill>
+              <a:srgbClr val="FF0000"/>
+            </a:solidFill>
+            <a:tailEnd type="triangle"/>
+          </a:ln>
+        </p:spPr>
+        <p:style>
+          <a:lnRef idx="1">
+            <a:schemeClr val="accent1"/>
+          </a:lnRef>
+          <a:fillRef idx="0">
+            <a:schemeClr val="accent1"/>
+          </a:fillRef>
+          <a:effectRef idx="0">
+            <a:schemeClr val="accent1"/>
+          </a:effectRef>
+          <a:fontRef idx="minor">
+            <a:schemeClr val="tx1"/>
+          </a:fontRef>
+        </p:style>
+      </p:cxnSp>
+      <p:cxnSp>
+        <p:nvCxnSpPr>
+          <p:cNvPr id="55" name="直接箭头连接符 54"/>
+          <p:cNvCxnSpPr/>
+          <p:nvPr/>
+        </p:nvCxnSpPr>
+        <p:spPr>
+          <a:xfrm>
+            <a:off x="5969321" y="2438344"/>
+            <a:ext cx="2470" cy="878282"/>
+          </a:xfrm>
+          <a:prstGeom prst="straightConnector1">
+            <a:avLst/>
+          </a:prstGeom>
+          <a:ln w="19050">
+            <a:solidFill>
+              <a:srgbClr val="FF0000"/>
+            </a:solidFill>
+            <a:tailEnd type="triangle"/>
+          </a:ln>
+        </p:spPr>
+        <p:style>
+          <a:lnRef idx="1">
+            <a:schemeClr val="accent1"/>
+          </a:lnRef>
+          <a:fillRef idx="0">
+            <a:schemeClr val="accent1"/>
+          </a:fillRef>
+          <a:effectRef idx="0">
+            <a:schemeClr val="accent1"/>
+          </a:effectRef>
+          <a:fontRef idx="minor">
+            <a:schemeClr val="tx1"/>
+          </a:fontRef>
+        </p:style>
+      </p:cxnSp>
+    </p:spTree>
+    <p:extLst>
+      <p:ext uri="{BB962C8B-B14F-4D97-AF65-F5344CB8AC3E}">
+        <p14:creationId xmlns:p14="http://schemas.microsoft.com/office/powerpoint/2010/main" val="1169774297"/>
+      </p:ext>
+    </p:extLst>
+  </p:cSld>
+  <p:clrMapOvr>
+    <a:masterClrMapping/>
+  </p:clrMapOvr>
+  <p:timing>
+    <p:tnLst>
+      <p:par>
+        <p:cTn id="1" dur="indefinite" restart="never" nodeType="tmRoot">
+          <p:childTnLst>
+            <p:seq concurrent="1" nextAc="seek">
+              <p:cTn id="2" dur="indefinite" nodeType="mainSeq">
+                <p:childTnLst>
+                  <p:par>
+                    <p:cTn id="3" fill="hold">
+                      <p:stCondLst>
+                        <p:cond delay="indefinite"/>
+                        <p:cond evt="onBegin" delay="0">
+                          <p:tn val="2"/>
+                        </p:cond>
+                      </p:stCondLst>
+                      <p:childTnLst>
+                        <p:par>
+                          <p:cTn id="4" fill="hold">
+                            <p:stCondLst>
+                              <p:cond delay="0"/>
+                            </p:stCondLst>
+                            <p:childTnLst>
+                              <p:par>
+                                <p:cTn id="5" presetID="10" presetClass="entr" presetSubtype="0" fill="hold" grpId="0" nodeType="withEffect">
+                                  <p:stCondLst>
+                                    <p:cond delay="1000"/>
+                                  </p:stCondLst>
+                                  <p:childTnLst>
+                                    <p:set>
+                                      <p:cBhvr>
+                                        <p:cTn id="6" dur="1" fill="hold">
+                                          <p:stCondLst>
+                                            <p:cond delay="0"/>
+                                          </p:stCondLst>
+                                        </p:cTn>
+                                        <p:tgtEl>
+                                          <p:spTgt spid="205"/>
+                                        </p:tgtEl>
+                                        <p:attrNameLst>
+                                          <p:attrName>style.visibility</p:attrName>
+                                        </p:attrNameLst>
+                                      </p:cBhvr>
+                                      <p:to>
+                                        <p:strVal val="visible"/>
+                                      </p:to>
+                                    </p:set>
+                                    <p:animEffect transition="in" filter="fade">
+                                      <p:cBhvr>
+                                        <p:cTn id="7" dur="1000"/>
+                                        <p:tgtEl>
+                                          <p:spTgt spid="205"/>
+                                        </p:tgtEl>
+                                      </p:cBhvr>
+                                    </p:animEffect>
+                                  </p:childTnLst>
+                                </p:cTn>
+                              </p:par>
+                            </p:childTnLst>
+                          </p:cTn>
+                        </p:par>
+                        <p:par>
+                          <p:cTn id="8" fill="hold">
+                            <p:stCondLst>
+                              <p:cond delay="2000"/>
+                            </p:stCondLst>
+                            <p:childTnLst>
+                              <p:par>
+                                <p:cTn id="9" presetID="10" presetClass="entr" presetSubtype="0" fill="hold" nodeType="afterEffect">
+                                  <p:stCondLst>
+                                    <p:cond delay="500"/>
+                                  </p:stCondLst>
+                                  <p:childTnLst>
+                                    <p:set>
+                                      <p:cBhvr>
+                                        <p:cTn id="10" dur="1" fill="hold">
+                                          <p:stCondLst>
+                                            <p:cond delay="0"/>
+                                          </p:stCondLst>
+                                        </p:cTn>
+                                        <p:tgtEl>
+                                          <p:spTgt spid="3"/>
+                                        </p:tgtEl>
+                                        <p:attrNameLst>
+                                          <p:attrName>style.visibility</p:attrName>
+                                        </p:attrNameLst>
+                                      </p:cBhvr>
+                                      <p:to>
+                                        <p:strVal val="visible"/>
+                                      </p:to>
+                                    </p:set>
+                                    <p:animEffect transition="in" filter="fade">
+                                      <p:cBhvr>
+                                        <p:cTn id="11" dur="1000"/>
+                                        <p:tgtEl>
+                                          <p:spTgt spid="3"/>
+                                        </p:tgtEl>
+                                      </p:cBhvr>
+                                    </p:animEffect>
+                                  </p:childTnLst>
+                                </p:cTn>
+                              </p:par>
+                            </p:childTnLst>
+                          </p:cTn>
+                        </p:par>
+                        <p:par>
+                          <p:cTn id="12" fill="hold">
+                            <p:stCondLst>
+                              <p:cond delay="3500"/>
+                            </p:stCondLst>
+                            <p:childTnLst>
+                              <p:par>
+                                <p:cTn id="13" presetID="10" presetClass="entr" presetSubtype="0" fill="hold" nodeType="afterEffect">
+                                  <p:stCondLst>
+                                    <p:cond delay="0"/>
+                                  </p:stCondLst>
+                                  <p:childTnLst>
+                                    <p:set>
+                                      <p:cBhvr>
+                                        <p:cTn id="14" dur="1" fill="hold">
+                                          <p:stCondLst>
+                                            <p:cond delay="0"/>
+                                          </p:stCondLst>
+                                        </p:cTn>
+                                        <p:tgtEl>
+                                          <p:spTgt spid="55"/>
+                                        </p:tgtEl>
+                                        <p:attrNameLst>
+                                          <p:attrName>style.visibility</p:attrName>
+                                        </p:attrNameLst>
+                                      </p:cBhvr>
+                                      <p:to>
+                                        <p:strVal val="visible"/>
+                                      </p:to>
+                                    </p:set>
+                                    <p:animEffect transition="in" filter="fade">
+                                      <p:cBhvr>
+                                        <p:cTn id="15" dur="1000"/>
+                                        <p:tgtEl>
+                                          <p:spTgt spid="55"/>
+                                        </p:tgtEl>
+                                      </p:cBhvr>
+                                    </p:animEffect>
+                                  </p:childTnLst>
+                                </p:cTn>
+                              </p:par>
+                            </p:childTnLst>
+                          </p:cTn>
+                        </p:par>
+                        <p:par>
+                          <p:cTn id="16" fill="hold">
+                            <p:stCondLst>
+                              <p:cond delay="4500"/>
+                            </p:stCondLst>
+                            <p:childTnLst>
+                              <p:par>
+                                <p:cTn id="17" presetID="10" presetClass="entr" presetSubtype="0" fill="hold" nodeType="afterEffect">
+                                  <p:stCondLst>
+                                    <p:cond delay="0"/>
+                                  </p:stCondLst>
+                                  <p:childTnLst>
+                                    <p:set>
+                                      <p:cBhvr>
+                                        <p:cTn id="18" dur="1" fill="hold">
+                                          <p:stCondLst>
+                                            <p:cond delay="0"/>
+                                          </p:stCondLst>
+                                        </p:cTn>
+                                        <p:tgtEl>
+                                          <p:spTgt spid="52"/>
+                                        </p:tgtEl>
+                                        <p:attrNameLst>
+                                          <p:attrName>style.visibility</p:attrName>
+                                        </p:attrNameLst>
+                                      </p:cBhvr>
+                                      <p:to>
+                                        <p:strVal val="visible"/>
+                                      </p:to>
+                                    </p:set>
+                                    <p:animEffect transition="in" filter="fade">
+                                      <p:cBhvr>
+                                        <p:cTn id="19" dur="1000"/>
+                                        <p:tgtEl>
+                                          <p:spTgt spid="52"/>
+                                        </p:tgtEl>
+                                      </p:cBhvr>
+                                    </p:animEffect>
+                                  </p:childTnLst>
+                                </p:cTn>
+                              </p:par>
+                            </p:childTnLst>
+                          </p:cTn>
+                        </p:par>
+                        <p:par>
+                          <p:cTn id="20" fill="hold">
+                            <p:stCondLst>
+                              <p:cond delay="5500"/>
+                            </p:stCondLst>
+                            <p:childTnLst>
+                              <p:par>
+                                <p:cTn id="21" presetID="10" presetClass="entr" presetSubtype="0" fill="hold" nodeType="afterEffect">
+                                  <p:stCondLst>
+                                    <p:cond delay="0"/>
+                                  </p:stCondLst>
+                                  <p:childTnLst>
+                                    <p:set>
+                                      <p:cBhvr>
+                                        <p:cTn id="22" dur="1" fill="hold">
+                                          <p:stCondLst>
+                                            <p:cond delay="0"/>
+                                          </p:stCondLst>
+                                        </p:cTn>
+                                        <p:tgtEl>
+                                          <p:spTgt spid="30"/>
+                                        </p:tgtEl>
+                                        <p:attrNameLst>
+                                          <p:attrName>style.visibility</p:attrName>
+                                        </p:attrNameLst>
+                                      </p:cBhvr>
+                                      <p:to>
+                                        <p:strVal val="visible"/>
+                                      </p:to>
+                                    </p:set>
+                                    <p:animEffect transition="in" filter="fade">
+                                      <p:cBhvr>
+                                        <p:cTn id="23" dur="1000"/>
+                                        <p:tgtEl>
+                                          <p:spTgt spid="30"/>
+                                        </p:tgtEl>
+                                      </p:cBhvr>
+                                    </p:animEffect>
+                                  </p:childTnLst>
+                                </p:cTn>
+                              </p:par>
+                            </p:childTnLst>
+                          </p:cTn>
+                        </p:par>
+                        <p:par>
+                          <p:cTn id="24" fill="hold">
+                            <p:stCondLst>
+                              <p:cond delay="6500"/>
+                            </p:stCondLst>
+                            <p:childTnLst>
+                              <p:par>
+                                <p:cTn id="25" presetID="35" presetClass="emph" presetSubtype="0" repeatCount="3000" fill="hold" grpId="1" nodeType="afterEffect">
+                                  <p:stCondLst>
+                                    <p:cond delay="500"/>
+                                  </p:stCondLst>
+                                  <p:childTnLst>
+                                    <p:anim calcmode="discrete" valueType="str">
+                                      <p:cBhvr>
+                                        <p:cTn id="26" dur="500" fill="hold"/>
+                                        <p:tgtEl>
+                                          <p:spTgt spid="46"/>
+                                        </p:tgtEl>
+                                        <p:attrNameLst>
+                                          <p:attrName>style.visibility</p:attrName>
+                                        </p:attrNameLst>
+                                      </p:cBhvr>
+                                      <p:tavLst>
+                                        <p:tav tm="0">
+                                          <p:val>
+                                            <p:strVal val="hidden"/>
+                                          </p:val>
+                                        </p:tav>
+                                        <p:tav tm="50000">
+                                          <p:val>
+                                            <p:strVal val="visible"/>
+                                          </p:val>
+                                        </p:tav>
+                                      </p:tavLst>
+                                    </p:anim>
+                                  </p:childTnLst>
+                                </p:cTn>
+                              </p:par>
+                              <p:par>
+                                <p:cTn id="27" presetID="35" presetClass="emph" presetSubtype="0" repeatCount="3000" fill="hold" grpId="1" nodeType="withEffect">
+                                  <p:stCondLst>
+                                    <p:cond delay="500"/>
+                                  </p:stCondLst>
+                                  <p:childTnLst>
+                                    <p:anim calcmode="discrete" valueType="str">
+                                      <p:cBhvr>
+                                        <p:cTn id="28" dur="500" fill="hold"/>
+                                        <p:tgtEl>
+                                          <p:spTgt spid="197"/>
+                                        </p:tgtEl>
+                                        <p:attrNameLst>
+                                          <p:attrName>style.visibility</p:attrName>
+                                        </p:attrNameLst>
+                                      </p:cBhvr>
+                                      <p:tavLst>
+                                        <p:tav tm="0">
+                                          <p:val>
+                                            <p:strVal val="hidden"/>
+                                          </p:val>
+                                        </p:tav>
+                                        <p:tav tm="50000">
+                                          <p:val>
+                                            <p:strVal val="visible"/>
+                                          </p:val>
+                                        </p:tav>
+                                      </p:tavLst>
+                                    </p:anim>
+                                  </p:childTnLst>
+                                </p:cTn>
+                              </p:par>
+                              <p:par>
+                                <p:cTn id="29" presetID="35" presetClass="emph" presetSubtype="0" repeatCount="3000" fill="hold" grpId="1" nodeType="withEffect">
+                                  <p:stCondLst>
+                                    <p:cond delay="500"/>
+                                  </p:stCondLst>
+                                  <p:childTnLst>
+                                    <p:anim calcmode="discrete" valueType="str">
+                                      <p:cBhvr>
+                                        <p:cTn id="30" dur="500" fill="hold"/>
+                                        <p:tgtEl>
+                                          <p:spTgt spid="201"/>
+                                        </p:tgtEl>
+                                        <p:attrNameLst>
+                                          <p:attrName>style.visibility</p:attrName>
+                                        </p:attrNameLst>
+                                      </p:cBhvr>
+                                      <p:tavLst>
+                                        <p:tav tm="0">
+                                          <p:val>
+                                            <p:strVal val="hidden"/>
+                                          </p:val>
+                                        </p:tav>
+                                        <p:tav tm="50000">
+                                          <p:val>
+                                            <p:strVal val="visible"/>
+                                          </p:val>
+                                        </p:tav>
+                                      </p:tavLst>
+                                    </p:anim>
+                                  </p:childTnLst>
+                                </p:cTn>
+                              </p:par>
+                              <p:par>
+                                <p:cTn id="31" presetID="35" presetClass="emph" presetSubtype="0" repeatCount="3000" fill="hold" grpId="1" nodeType="withEffect">
+                                  <p:stCondLst>
+                                    <p:cond delay="500"/>
+                                  </p:stCondLst>
+                                  <p:childTnLst>
+                                    <p:anim calcmode="discrete" valueType="str">
+                                      <p:cBhvr>
+                                        <p:cTn id="32" dur="500" fill="hold"/>
+                                        <p:tgtEl>
+                                          <p:spTgt spid="202"/>
+                                        </p:tgtEl>
+                                        <p:attrNameLst>
+                                          <p:attrName>style.visibility</p:attrName>
+                                        </p:attrNameLst>
+                                      </p:cBhvr>
+                                      <p:tavLst>
+                                        <p:tav tm="0">
+                                          <p:val>
+                                            <p:strVal val="hidden"/>
+                                          </p:val>
+                                        </p:tav>
+                                        <p:tav tm="50000">
+                                          <p:val>
+                                            <p:strVal val="visible"/>
+                                          </p:val>
+                                        </p:tav>
+                                      </p:tavLst>
+                                    </p:anim>
+                                  </p:childTnLst>
+                                </p:cTn>
+                              </p:par>
+                            </p:childTnLst>
+                          </p:cTn>
+                        </p:par>
+                        <p:par>
+                          <p:cTn id="33" fill="hold">
+                            <p:stCondLst>
+                              <p:cond delay="8500"/>
+                            </p:stCondLst>
+                            <p:childTnLst>
+                              <p:par>
+                                <p:cTn id="34" presetID="42" presetClass="path" presetSubtype="0" accel="50000" decel="50000" fill="hold" grpId="0" nodeType="afterEffect">
+                                  <p:stCondLst>
+                                    <p:cond delay="500"/>
+                                  </p:stCondLst>
+                                  <p:childTnLst>
+                                    <p:animMotion origin="layout" path="M 3.54167E-6 2.22222E-6 L 0.05859 -0.29931 " pathEditMode="relative" rAng="0" ptsTypes="AA">
+                                      <p:cBhvr>
+                                        <p:cTn id="35" dur="2000" fill="hold"/>
+                                        <p:tgtEl>
+                                          <p:spTgt spid="46"/>
+                                        </p:tgtEl>
+                                        <p:attrNameLst>
+                                          <p:attrName>ppt_x</p:attrName>
+                                          <p:attrName>ppt_y</p:attrName>
+                                        </p:attrNameLst>
+                                      </p:cBhvr>
+                                      <p:rCtr x="2930" y="-14977"/>
+                                    </p:animMotion>
+                                  </p:childTnLst>
+                                </p:cTn>
+                              </p:par>
+                              <p:par>
+                                <p:cTn id="36" presetID="42" presetClass="path" presetSubtype="0" accel="50000" decel="50000" fill="hold" grpId="0" nodeType="withEffect">
+                                  <p:stCondLst>
+                                    <p:cond delay="500"/>
+                                  </p:stCondLst>
+                                  <p:childTnLst>
+                                    <p:animMotion origin="layout" path="M -6.25E-7 2.22222E-6 L 0.05872 -0.29884 " pathEditMode="relative" rAng="0" ptsTypes="AA">
+                                      <p:cBhvr>
+                                        <p:cTn id="37" dur="2000" fill="hold"/>
+                                        <p:tgtEl>
+                                          <p:spTgt spid="197"/>
+                                        </p:tgtEl>
+                                        <p:attrNameLst>
+                                          <p:attrName>ppt_x</p:attrName>
+                                          <p:attrName>ppt_y</p:attrName>
+                                        </p:attrNameLst>
+                                      </p:cBhvr>
+                                      <p:rCtr x="2943" y="-14676"/>
+                                    </p:animMotion>
+                                  </p:childTnLst>
+                                </p:cTn>
+                              </p:par>
+                              <p:par>
+                                <p:cTn id="38" presetID="42" presetClass="path" presetSubtype="0" accel="50000" decel="50000" fill="hold" grpId="0" nodeType="withEffect">
+                                  <p:stCondLst>
+                                    <p:cond delay="500"/>
+                                  </p:stCondLst>
+                                  <p:childTnLst>
+                                    <p:animMotion origin="layout" path="M -6.25E-7 -2.22222E-6 L -0.05833 0.29931 " pathEditMode="relative" rAng="0" ptsTypes="AA">
+                                      <p:cBhvr>
+                                        <p:cTn id="39" dur="2000" fill="hold"/>
+                                        <p:tgtEl>
+                                          <p:spTgt spid="96"/>
+                                        </p:tgtEl>
+                                        <p:attrNameLst>
+                                          <p:attrName>ppt_x</p:attrName>
+                                          <p:attrName>ppt_y</p:attrName>
+                                        </p:attrNameLst>
+                                      </p:cBhvr>
+                                      <p:rCtr x="-2917" y="14954"/>
+                                    </p:animMotion>
+                                  </p:childTnLst>
+                                </p:cTn>
+                              </p:par>
+                              <p:par>
+                                <p:cTn id="40" presetID="42" presetClass="path" presetSubtype="0" accel="50000" decel="50000" fill="hold" grpId="0" nodeType="withEffect">
+                                  <p:stCondLst>
+                                    <p:cond delay="500"/>
+                                  </p:stCondLst>
+                                  <p:childTnLst>
+                                    <p:animMotion origin="layout" path="M -4.58333E-6 0.00047 L -0.05859 0.29954 " pathEditMode="relative" rAng="0" ptsTypes="AA">
+                                      <p:cBhvr>
+                                        <p:cTn id="41" dur="2000" fill="hold"/>
+                                        <p:tgtEl>
+                                          <p:spTgt spid="43"/>
+                                        </p:tgtEl>
+                                        <p:attrNameLst>
+                                          <p:attrName>ppt_x</p:attrName>
+                                          <p:attrName>ppt_y</p:attrName>
+                                        </p:attrNameLst>
+                                      </p:cBhvr>
+                                      <p:rCtr x="-2930" y="14954"/>
+                                    </p:animMotion>
+                                  </p:childTnLst>
+                                </p:cTn>
+                              </p:par>
+                              <p:par>
+                                <p:cTn id="42" presetID="42" presetClass="path" presetSubtype="0" accel="50000" decel="50000" fill="hold" grpId="0" nodeType="withEffect">
+                                  <p:stCondLst>
+                                    <p:cond delay="500"/>
+                                  </p:stCondLst>
+                                  <p:childTnLst>
+                                    <p:animMotion origin="layout" path="M 1.45833E-6 -2.22222E-6 L 0.11771 0.29931 " pathEditMode="relative" rAng="0" ptsTypes="AA">
+                                      <p:cBhvr>
+                                        <p:cTn id="43" dur="2000" fill="hold"/>
+                                        <p:tgtEl>
+                                          <p:spTgt spid="98"/>
+                                        </p:tgtEl>
+                                        <p:attrNameLst>
+                                          <p:attrName>ppt_x</p:attrName>
+                                          <p:attrName>ppt_y</p:attrName>
+                                        </p:attrNameLst>
+                                      </p:cBhvr>
+                                      <p:rCtr x="5885" y="14954"/>
+                                    </p:animMotion>
+                                  </p:childTnLst>
+                                </p:cTn>
+                              </p:par>
+                              <p:par>
+                                <p:cTn id="44" presetID="42" presetClass="path" presetSubtype="0" accel="50000" decel="50000" fill="hold" grpId="0" nodeType="withEffect">
+                                  <p:stCondLst>
+                                    <p:cond delay="500"/>
+                                  </p:stCondLst>
+                                  <p:childTnLst>
+                                    <p:animMotion origin="layout" path="M -2.5E-6 -2.22222E-6 L 0.11784 0.29884 " pathEditMode="relative" rAng="0" ptsTypes="AA">
+                                      <p:cBhvr>
+                                        <p:cTn id="45" dur="2000" fill="hold"/>
+                                        <p:tgtEl>
+                                          <p:spTgt spid="121"/>
+                                        </p:tgtEl>
+                                        <p:attrNameLst>
+                                          <p:attrName>ppt_x</p:attrName>
+                                          <p:attrName>ppt_y</p:attrName>
+                                        </p:attrNameLst>
+                                      </p:cBhvr>
+                                      <p:rCtr x="5885" y="14931"/>
+                                    </p:animMotion>
+                                  </p:childTnLst>
+                                </p:cTn>
+                              </p:par>
+                              <p:par>
+                                <p:cTn id="46" presetID="64" presetClass="path" presetSubtype="0" accel="50000" decel="50000" fill="hold" grpId="0" nodeType="withEffect">
+                                  <p:stCondLst>
+                                    <p:cond delay="500"/>
+                                  </p:stCondLst>
+                                  <p:childTnLst>
+                                    <p:animMotion origin="layout" path="M 3.33333E-6 2.22222E-6 L -0.11758 -0.2993 " pathEditMode="relative" rAng="0" ptsTypes="AA">
+                                      <p:cBhvr>
+                                        <p:cTn id="47" dur="2000" fill="hold"/>
+                                        <p:tgtEl>
+                                          <p:spTgt spid="201"/>
+                                        </p:tgtEl>
+                                        <p:attrNameLst>
+                                          <p:attrName>ppt_x</p:attrName>
+                                          <p:attrName>ppt_y</p:attrName>
+                                        </p:attrNameLst>
+                                      </p:cBhvr>
+                                      <p:rCtr x="-5872" y="-14676"/>
+                                    </p:animMotion>
+                                  </p:childTnLst>
+                                </p:cTn>
+                              </p:par>
+                              <p:par>
+                                <p:cTn id="48" presetID="64" presetClass="path" presetSubtype="0" accel="50000" decel="50000" fill="hold" grpId="0" nodeType="withEffect">
+                                  <p:stCondLst>
+                                    <p:cond delay="500"/>
+                                  </p:stCondLst>
+                                  <p:childTnLst>
+                                    <p:animMotion origin="layout" path="M -6.25E-7 2.22222E-6 L -0.11758 -0.2993 " pathEditMode="relative" rAng="0" ptsTypes="AA">
+                                      <p:cBhvr>
+                                        <p:cTn id="49" dur="2000" fill="hold"/>
+                                        <p:tgtEl>
+                                          <p:spTgt spid="202"/>
+                                        </p:tgtEl>
+                                        <p:attrNameLst>
+                                          <p:attrName>ppt_x</p:attrName>
+                                          <p:attrName>ppt_y</p:attrName>
+                                        </p:attrNameLst>
+                                      </p:cBhvr>
+                                      <p:rCtr x="-5885" y="-14676"/>
+                                    </p:animMotion>
+                                  </p:childTnLst>
+                                </p:cTn>
+                              </p:par>
+                            </p:childTnLst>
+                          </p:cTn>
+                        </p:par>
+                        <p:par>
+                          <p:cTn id="50" fill="hold">
+                            <p:stCondLst>
+                              <p:cond delay="11000"/>
+                            </p:stCondLst>
+                            <p:childTnLst>
+                              <p:par>
+                                <p:cTn id="51" presetID="1" presetClass="entr" presetSubtype="0" fill="hold" grpId="0" nodeType="afterEffect" nodePh="1">
+                                  <p:stCondLst>
+                                    <p:cond delay="3000"/>
+                                  </p:stCondLst>
+                                  <p:endCondLst>
+                                    <p:cond evt="begin" delay="0">
+                                      <p:tn val="51"/>
+                                    </p:cond>
+                                  </p:endCondLst>
+                                  <p:childTnLst>
+                                    <p:set>
+                                      <p:cBhvr>
+                                        <p:cTn id="52" dur="1" fill="hold">
+                                          <p:stCondLst>
+                                            <p:cond delay="0"/>
+                                          </p:stCondLst>
+                                        </p:cTn>
+                                        <p:tgtEl>
+                                          <p:spTgt spid="15"/>
+                                        </p:tgtEl>
+                                        <p:attrNameLst>
+                                          <p:attrName>style.visibility</p:attrName>
+                                        </p:attrNameLst>
+                                      </p:cBhvr>
+                                      <p:to>
+                                        <p:strVal val="visible"/>
+                                      </p:to>
+                                    </p:set>
+                                  </p:childTnLst>
+                                </p:cTn>
+                              </p:par>
+                            </p:childTnLst>
+                          </p:cTn>
+                        </p:par>
+                      </p:childTnLst>
+                    </p:cTn>
+                  </p:par>
+                </p:childTnLst>
+              </p:cTn>
+              <p:prevCondLst>
+                <p:cond evt="onPrev" delay="0">
+                  <p:tgtEl>
+                    <p:sldTgt/>
+                  </p:tgtEl>
+                </p:cond>
+              </p:prevCondLst>
+              <p:nextCondLst>
+                <p:cond evt="onNext" delay="0">
+                  <p:tgtEl>
+                    <p:sldTgt/>
+                  </p:tgtEl>
+                </p:cond>
+              </p:nextCondLst>
+            </p:seq>
+          </p:childTnLst>
+        </p:cTn>
+      </p:par>
+    </p:tnLst>
+    <p:bldLst>
+      <p:bldP spid="96" grpId="0" animBg="1"/>
+      <p:bldP spid="98" grpId="0" animBg="1"/>
+      <p:bldP spid="121" grpId="0" animBg="1"/>
+      <p:bldP spid="197" grpId="0" animBg="1"/>
+      <p:bldP spid="197" grpId="1" animBg="1"/>
+      <p:bldP spid="201" grpId="0" animBg="1"/>
+      <p:bldP spid="201" grpId="1" animBg="1"/>
+      <p:bldP spid="202" grpId="0" animBg="1"/>
+      <p:bldP spid="202" grpId="1" animBg="1"/>
+      <p:bldP spid="205" grpId="0"/>
+      <p:bldP spid="46" grpId="0" animBg="1"/>
+      <p:bldP spid="46" grpId="1" animBg="1"/>
+      <p:bldP spid="15" grpId="0"/>
+      <p:bldP spid="43" grpId="0" animBg="1"/>
+    </p:bldLst>
+  </p:timing>
+</p:sld>
+</file>
+
+<file path=ppt/slides/slide3.xml><?xml version="1.0" encoding="utf-8"?>
+<p:sld xmlns:a="http://schemas.openxmlformats.org/drawingml/2006/main" xmlns:r="http://schemas.openxmlformats.org/officeDocument/2006/relationships" xmlns:p="http://schemas.openxmlformats.org/presentationml/2006/main">
+  <p:cSld>
+    <p:spTree>
+      <p:nvGrpSpPr>
+        <p:cNvPr id="1" name=""/>
+        <p:cNvGrpSpPr/>
+        <p:nvPr/>
+      </p:nvGrpSpPr>
+      <p:grpSpPr>
+        <a:xfrm>
+          <a:off x="0" y="0"/>
+          <a:ext cx="0" cy="0"/>
+          <a:chOff x="0" y="0"/>
+          <a:chExt cx="0" cy="0"/>
+        </a:xfrm>
+      </p:grpSpPr>
+      <p:sp>
+        <p:nvSpPr>
+          <p:cNvPr id="99" name="矩形 98"/>
+          <p:cNvSpPr/>
+          <p:nvPr/>
+        </p:nvSpPr>
+        <p:spPr>
+          <a:xfrm>
+            <a:off x="4189112" y="3324302"/>
+            <a:ext cx="716175" cy="515259"/>
+          </a:xfrm>
+          <a:prstGeom prst="rect">
+            <a:avLst/>
+          </a:prstGeom>
+          <a:solidFill>
+            <a:srgbClr val="FFC000"/>
+          </a:solidFill>
+          <a:ln w="6350">
+            <a:solidFill>
+              <a:schemeClr val="tx1"/>
+            </a:solidFill>
+          </a:ln>
+        </p:spPr>
+        <p:style>
+          <a:lnRef idx="2">
+            <a:schemeClr val="accent1">
+              <a:shade val="50000"/>
+            </a:schemeClr>
+          </a:lnRef>
+          <a:fillRef idx="1">
+            <a:schemeClr val="accent1"/>
+          </a:fillRef>
+          <a:effectRef idx="0">
+            <a:schemeClr val="accent1"/>
+          </a:effectRef>
+          <a:fontRef idx="minor">
+            <a:schemeClr val="lt1"/>
+          </a:fontRef>
+        </p:style>
+        <p:txBody>
+          <a:bodyPr rtlCol="0" anchor="ctr"/>
+          <a:lstStyle/>
+          <a:p>
+            <a:pPr algn="ctr"/>
+            <a:r>
+              <a:rPr lang="en-US" altLang="zh-CN" sz="3200" dirty="0">
+                <a:solidFill>
+                  <a:sysClr val="windowText" lastClr="000000"/>
+                </a:solidFill>
+                <a:latin typeface="Times New Roman" panose="02020603050405020304" pitchFamily="18" charset="0"/>
+                <a:cs typeface="Times New Roman" panose="02020603050405020304" pitchFamily="18" charset="0"/>
+              </a:rPr>
+              <a:t>1</a:t>
+            </a:r>
+            <a:endParaRPr lang="zh-CN" altLang="en-US" sz="3200" dirty="0">
+              <a:solidFill>
+                <a:sysClr val="windowText" lastClr="000000"/>
+              </a:solidFill>
+              <a:latin typeface="Times New Roman" panose="02020603050405020304" pitchFamily="18" charset="0"/>
+              <a:cs typeface="Times New Roman" panose="02020603050405020304" pitchFamily="18" charset="0"/>
+            </a:endParaRPr>
+          </a:p>
+        </p:txBody>
+      </p:sp>
+      <p:sp>
+        <p:nvSpPr>
+          <p:cNvPr id="122" name="矩形 121"/>
+          <p:cNvSpPr/>
+          <p:nvPr/>
+        </p:nvSpPr>
+        <p:spPr>
+          <a:xfrm>
+            <a:off x="2095256" y="3324302"/>
+            <a:ext cx="1313180" cy="584775"/>
+          </a:xfrm>
+          <a:prstGeom prst="rect">
+            <a:avLst/>
+          </a:prstGeom>
+        </p:spPr>
+        <p:txBody>
+          <a:bodyPr wrap="none">
+            <a:spAutoFit/>
+          </a:bodyPr>
+          <a:lstStyle/>
+          <a:p>
+            <a:r>
+              <a:rPr lang="en-US" altLang="zh-CN" sz="3200" dirty="0">
+                <a:latin typeface="Times New Roman" panose="02020603050405020304" pitchFamily="18" charset="0"/>
+                <a:cs typeface="Times New Roman" panose="02020603050405020304" pitchFamily="18" charset="0"/>
+              </a:rPr>
+              <a:t>child</a:t>
+            </a:r>
+            <a:r>
+              <a:rPr lang="zh-CN" altLang="en-US" sz="3200" dirty="0">
+                <a:latin typeface="Times New Roman" panose="02020603050405020304" pitchFamily="18" charset="0"/>
+                <a:cs typeface="Times New Roman" panose="02020603050405020304" pitchFamily="18" charset="0"/>
+              </a:rPr>
+              <a:t>1 </a:t>
+            </a:r>
+          </a:p>
+        </p:txBody>
+      </p:sp>
+      <p:sp>
+        <p:nvSpPr>
+          <p:cNvPr id="123" name="矩形 122"/>
+          <p:cNvSpPr/>
+          <p:nvPr/>
+        </p:nvSpPr>
+        <p:spPr>
+          <a:xfrm>
+            <a:off x="2082449" y="4439954"/>
+            <a:ext cx="1415772" cy="584775"/>
+          </a:xfrm>
+          <a:prstGeom prst="rect">
+            <a:avLst/>
+          </a:prstGeom>
+        </p:spPr>
+        <p:txBody>
+          <a:bodyPr wrap="none">
+            <a:spAutoFit/>
+          </a:bodyPr>
+          <a:lstStyle/>
+          <a:p>
+            <a:r>
+              <a:rPr lang="en-US" altLang="zh-CN" sz="3200" dirty="0">
+                <a:latin typeface="Times New Roman" panose="02020603050405020304" pitchFamily="18" charset="0"/>
+                <a:cs typeface="Times New Roman" panose="02020603050405020304" pitchFamily="18" charset="0"/>
+              </a:rPr>
+              <a:t>child 2</a:t>
+            </a:r>
+            <a:r>
+              <a:rPr lang="zh-CN" altLang="en-US" sz="3200" dirty="0">
+                <a:latin typeface="Times New Roman" panose="02020603050405020304" pitchFamily="18" charset="0"/>
+                <a:cs typeface="Times New Roman" panose="02020603050405020304" pitchFamily="18" charset="0"/>
+              </a:rPr>
+              <a:t> </a:t>
+            </a:r>
+          </a:p>
+        </p:txBody>
+      </p:sp>
+      <p:sp>
+        <p:nvSpPr>
+          <p:cNvPr id="96" name="矩形 95"/>
+          <p:cNvSpPr/>
+          <p:nvPr/>
+        </p:nvSpPr>
+        <p:spPr>
+          <a:xfrm>
+            <a:off x="4905286" y="3324302"/>
+            <a:ext cx="716175" cy="515259"/>
+          </a:xfrm>
+          <a:prstGeom prst="rect">
+            <a:avLst/>
+          </a:prstGeom>
+          <a:solidFill>
+            <a:srgbClr val="FF0000"/>
+          </a:solidFill>
+          <a:ln w="6350">
+            <a:solidFill>
+              <a:schemeClr val="tx1"/>
+            </a:solidFill>
+          </a:ln>
+        </p:spPr>
+        <p:style>
+          <a:lnRef idx="2">
+            <a:schemeClr val="accent1">
+              <a:shade val="50000"/>
+            </a:schemeClr>
+          </a:lnRef>
+          <a:fillRef idx="1">
+            <a:schemeClr val="accent1"/>
+          </a:fillRef>
+          <a:effectRef idx="0">
+            <a:schemeClr val="accent1"/>
+          </a:effectRef>
+          <a:fontRef idx="minor">
+            <a:schemeClr val="lt1"/>
+          </a:fontRef>
+        </p:style>
+        <p:txBody>
+          <a:bodyPr rtlCol="0" anchor="ctr"/>
+          <a:lstStyle/>
+          <a:p>
+            <a:pPr algn="ctr"/>
+            <a:r>
+              <a:rPr lang="en-US" altLang="zh-CN" sz="3200" dirty="0">
+                <a:solidFill>
+                  <a:sysClr val="windowText" lastClr="000000"/>
+                </a:solidFill>
+                <a:latin typeface="Times New Roman" panose="02020603050405020304" pitchFamily="18" charset="0"/>
+                <a:cs typeface="Times New Roman" panose="02020603050405020304" pitchFamily="18" charset="0"/>
+              </a:rPr>
+              <a:t>3</a:t>
+            </a:r>
+            <a:endParaRPr lang="zh-CN" altLang="en-US" sz="3200" dirty="0">
+              <a:solidFill>
+                <a:sysClr val="windowText" lastClr="000000"/>
+              </a:solidFill>
+              <a:latin typeface="Times New Roman" panose="02020603050405020304" pitchFamily="18" charset="0"/>
+              <a:cs typeface="Times New Roman" panose="02020603050405020304" pitchFamily="18" charset="0"/>
+            </a:endParaRPr>
+          </a:p>
+        </p:txBody>
+      </p:sp>
+      <p:sp>
+        <p:nvSpPr>
+          <p:cNvPr id="97" name="矩形 96"/>
+          <p:cNvSpPr/>
+          <p:nvPr/>
+        </p:nvSpPr>
+        <p:spPr>
+          <a:xfrm>
+            <a:off x="5621461" y="3324302"/>
+            <a:ext cx="716175" cy="515259"/>
+          </a:xfrm>
+          <a:prstGeom prst="rect">
+            <a:avLst/>
+          </a:prstGeom>
+          <a:solidFill>
+            <a:srgbClr val="FFC000"/>
+          </a:solidFill>
+          <a:ln w="6350">
+            <a:solidFill>
+              <a:schemeClr val="tx1"/>
+            </a:solidFill>
+          </a:ln>
+        </p:spPr>
+        <p:style>
+          <a:lnRef idx="2">
+            <a:schemeClr val="accent1">
+              <a:shade val="50000"/>
+            </a:schemeClr>
+          </a:lnRef>
+          <a:fillRef idx="1">
+            <a:schemeClr val="accent1"/>
+          </a:fillRef>
+          <a:effectRef idx="0">
+            <a:schemeClr val="accent1"/>
+          </a:effectRef>
+          <a:fontRef idx="minor">
+            <a:schemeClr val="lt1"/>
+          </a:fontRef>
+        </p:style>
+        <p:txBody>
+          <a:bodyPr rtlCol="0" anchor="ctr"/>
+          <a:lstStyle/>
+          <a:p>
+            <a:pPr algn="ctr"/>
+            <a:r>
+              <a:rPr lang="en-US" altLang="zh-CN" sz="3200" dirty="0">
+                <a:solidFill>
+                  <a:sysClr val="windowText" lastClr="000000"/>
+                </a:solidFill>
+                <a:latin typeface="Times New Roman" panose="02020603050405020304" pitchFamily="18" charset="0"/>
+                <a:cs typeface="Times New Roman" panose="02020603050405020304" pitchFamily="18" charset="0"/>
+              </a:rPr>
+              <a:t>3</a:t>
+            </a:r>
+            <a:endParaRPr lang="zh-CN" altLang="en-US" sz="3200" dirty="0">
+              <a:solidFill>
+                <a:sysClr val="windowText" lastClr="000000"/>
+              </a:solidFill>
+              <a:latin typeface="Times New Roman" panose="02020603050405020304" pitchFamily="18" charset="0"/>
+              <a:cs typeface="Times New Roman" panose="02020603050405020304" pitchFamily="18" charset="0"/>
+            </a:endParaRPr>
+          </a:p>
+        </p:txBody>
+      </p:sp>
+      <p:sp>
+        <p:nvSpPr>
+          <p:cNvPr id="98" name="矩形 97"/>
+          <p:cNvSpPr/>
+          <p:nvPr/>
+        </p:nvSpPr>
+        <p:spPr>
+          <a:xfrm>
+            <a:off x="6337636" y="3324302"/>
+            <a:ext cx="716175" cy="515259"/>
+          </a:xfrm>
+          <a:prstGeom prst="rect">
+            <a:avLst/>
+          </a:prstGeom>
+          <a:solidFill>
+            <a:srgbClr val="FF0000"/>
+          </a:solidFill>
+          <a:ln w="6350">
+            <a:solidFill>
+              <a:schemeClr val="tx1"/>
+            </a:solidFill>
+          </a:ln>
+        </p:spPr>
+        <p:style>
+          <a:lnRef idx="2">
+            <a:schemeClr val="accent1">
+              <a:shade val="50000"/>
+            </a:schemeClr>
+          </a:lnRef>
+          <a:fillRef idx="1">
+            <a:schemeClr val="accent1"/>
+          </a:fillRef>
+          <a:effectRef idx="0">
+            <a:schemeClr val="accent1"/>
+          </a:effectRef>
+          <a:fontRef idx="minor">
+            <a:schemeClr val="lt1"/>
+          </a:fontRef>
+        </p:style>
+        <p:txBody>
+          <a:bodyPr rtlCol="0" anchor="ctr"/>
+          <a:lstStyle/>
+          <a:p>
+            <a:pPr algn="ctr"/>
+            <a:r>
+              <a:rPr lang="en-US" altLang="zh-CN" sz="3200" dirty="0">
+                <a:solidFill>
+                  <a:sysClr val="windowText" lastClr="000000"/>
+                </a:solidFill>
+                <a:latin typeface="Times New Roman" panose="02020603050405020304" pitchFamily="18" charset="0"/>
+                <a:cs typeface="Times New Roman" panose="02020603050405020304" pitchFamily="18" charset="0"/>
+              </a:rPr>
+              <a:t>4</a:t>
+            </a:r>
+            <a:endParaRPr lang="zh-CN" altLang="en-US" sz="3200" dirty="0">
+              <a:solidFill>
+                <a:sysClr val="windowText" lastClr="000000"/>
+              </a:solidFill>
+              <a:latin typeface="Times New Roman" panose="02020603050405020304" pitchFamily="18" charset="0"/>
+              <a:cs typeface="Times New Roman" panose="02020603050405020304" pitchFamily="18" charset="0"/>
+            </a:endParaRPr>
+          </a:p>
+        </p:txBody>
+      </p:sp>
+      <p:sp>
+        <p:nvSpPr>
+          <p:cNvPr id="121" name="矩形 120"/>
+          <p:cNvSpPr/>
+          <p:nvPr/>
+        </p:nvSpPr>
+        <p:spPr>
+          <a:xfrm>
+            <a:off x="7053810" y="3324302"/>
+            <a:ext cx="716175" cy="515259"/>
+          </a:xfrm>
+          <a:prstGeom prst="rect">
+            <a:avLst/>
+          </a:prstGeom>
+          <a:solidFill>
+            <a:srgbClr val="FF0000"/>
+          </a:solidFill>
+          <a:ln w="6350">
+            <a:solidFill>
+              <a:schemeClr val="tx1"/>
+            </a:solidFill>
+          </a:ln>
+        </p:spPr>
+        <p:style>
+          <a:lnRef idx="2">
+            <a:schemeClr val="accent1">
+              <a:shade val="50000"/>
+            </a:schemeClr>
+          </a:lnRef>
+          <a:fillRef idx="1">
+            <a:schemeClr val="accent1"/>
+          </a:fillRef>
+          <a:effectRef idx="0">
+            <a:schemeClr val="accent1"/>
+          </a:effectRef>
+          <a:fontRef idx="minor">
+            <a:schemeClr val="lt1"/>
+          </a:fontRef>
+        </p:style>
+        <p:txBody>
+          <a:bodyPr rtlCol="0" anchor="ctr"/>
+          <a:lstStyle/>
+          <a:p>
+            <a:pPr algn="ctr"/>
+            <a:r>
+              <a:rPr lang="en-US" altLang="zh-CN" sz="3200" dirty="0">
+                <a:solidFill>
+                  <a:sysClr val="windowText" lastClr="000000"/>
+                </a:solidFill>
+                <a:latin typeface="Times New Roman" panose="02020603050405020304" pitchFamily="18" charset="0"/>
+                <a:cs typeface="Times New Roman" panose="02020603050405020304" pitchFamily="18" charset="0"/>
+              </a:rPr>
+              <a:t>2</a:t>
+            </a:r>
+            <a:endParaRPr lang="zh-CN" altLang="en-US" sz="3200" dirty="0">
+              <a:solidFill>
+                <a:sysClr val="windowText" lastClr="000000"/>
+              </a:solidFill>
+              <a:latin typeface="Times New Roman" panose="02020603050405020304" pitchFamily="18" charset="0"/>
+              <a:cs typeface="Times New Roman" panose="02020603050405020304" pitchFamily="18" charset="0"/>
+            </a:endParaRPr>
+          </a:p>
+        </p:txBody>
+      </p:sp>
+      <p:sp>
+        <p:nvSpPr>
+          <p:cNvPr id="194" name="矩形 193"/>
+          <p:cNvSpPr/>
+          <p:nvPr/>
+        </p:nvSpPr>
+        <p:spPr>
+          <a:xfrm>
+            <a:off x="7769985" y="3324302"/>
+            <a:ext cx="716175" cy="515259"/>
+          </a:xfrm>
+          <a:prstGeom prst="rect">
+            <a:avLst/>
+          </a:prstGeom>
+          <a:solidFill>
+            <a:srgbClr val="FFC000"/>
+          </a:solidFill>
+          <a:ln w="6350">
+            <a:solidFill>
+              <a:schemeClr val="tx1"/>
+            </a:solidFill>
+          </a:ln>
+        </p:spPr>
+        <p:style>
+          <a:lnRef idx="2">
+            <a:schemeClr val="accent1">
+              <a:shade val="50000"/>
+            </a:schemeClr>
+          </a:lnRef>
+          <a:fillRef idx="1">
+            <a:schemeClr val="accent1"/>
+          </a:fillRef>
+          <a:effectRef idx="0">
+            <a:schemeClr val="accent1"/>
+          </a:effectRef>
+          <a:fontRef idx="minor">
+            <a:schemeClr val="lt1"/>
+          </a:fontRef>
+        </p:style>
+        <p:txBody>
+          <a:bodyPr rtlCol="0" anchor="ctr"/>
+          <a:lstStyle/>
+          <a:p>
+            <a:pPr algn="ctr"/>
+            <a:r>
+              <a:rPr lang="en-US" altLang="zh-CN" sz="3200" dirty="0">
+                <a:solidFill>
+                  <a:sysClr val="windowText" lastClr="000000"/>
+                </a:solidFill>
+                <a:latin typeface="Times New Roman" panose="02020603050405020304" pitchFamily="18" charset="0"/>
+                <a:cs typeface="Times New Roman" panose="02020603050405020304" pitchFamily="18" charset="0"/>
+              </a:rPr>
+              <a:t>6</a:t>
+            </a:r>
+            <a:endParaRPr lang="zh-CN" altLang="en-US" sz="3200" dirty="0">
+              <a:solidFill>
+                <a:sysClr val="windowText" lastClr="000000"/>
+              </a:solidFill>
+              <a:latin typeface="Times New Roman" panose="02020603050405020304" pitchFamily="18" charset="0"/>
+              <a:cs typeface="Times New Roman" panose="02020603050405020304" pitchFamily="18" charset="0"/>
+            </a:endParaRPr>
+          </a:p>
+        </p:txBody>
+      </p:sp>
+      <p:sp>
+        <p:nvSpPr>
+          <p:cNvPr id="195" name="矩形 194"/>
+          <p:cNvSpPr/>
+          <p:nvPr/>
+        </p:nvSpPr>
+        <p:spPr>
+          <a:xfrm>
+            <a:off x="8486160" y="3324302"/>
+            <a:ext cx="716175" cy="515259"/>
+          </a:xfrm>
+          <a:prstGeom prst="rect">
+            <a:avLst/>
+          </a:prstGeom>
+          <a:solidFill>
+            <a:srgbClr val="FFC000"/>
+          </a:solidFill>
+          <a:ln w="6350">
+            <a:solidFill>
+              <a:schemeClr val="tx1"/>
+            </a:solidFill>
+          </a:ln>
+        </p:spPr>
+        <p:style>
+          <a:lnRef idx="2">
+            <a:schemeClr val="accent1">
+              <a:shade val="50000"/>
+            </a:schemeClr>
+          </a:lnRef>
+          <a:fillRef idx="1">
+            <a:schemeClr val="accent1"/>
+          </a:fillRef>
+          <a:effectRef idx="0">
+            <a:schemeClr val="accent1"/>
+          </a:effectRef>
+          <a:fontRef idx="minor">
+            <a:schemeClr val="lt1"/>
+          </a:fontRef>
+        </p:style>
+        <p:txBody>
+          <a:bodyPr rtlCol="0" anchor="ctr"/>
+          <a:lstStyle/>
+          <a:p>
+            <a:pPr algn="ctr"/>
+            <a:r>
+              <a:rPr lang="en-US" altLang="zh-CN" sz="3200" dirty="0">
+                <a:solidFill>
+                  <a:sysClr val="windowText" lastClr="000000"/>
+                </a:solidFill>
+                <a:latin typeface="Times New Roman" panose="02020603050405020304" pitchFamily="18" charset="0"/>
+                <a:cs typeface="Times New Roman" panose="02020603050405020304" pitchFamily="18" charset="0"/>
+              </a:rPr>
+              <a:t>7</a:t>
+            </a:r>
+            <a:endParaRPr lang="zh-CN" altLang="en-US" sz="3200" dirty="0">
+              <a:solidFill>
+                <a:sysClr val="windowText" lastClr="000000"/>
+              </a:solidFill>
+              <a:latin typeface="Times New Roman" panose="02020603050405020304" pitchFamily="18" charset="0"/>
+              <a:cs typeface="Times New Roman" panose="02020603050405020304" pitchFamily="18" charset="0"/>
+            </a:endParaRPr>
+          </a:p>
+        </p:txBody>
+      </p:sp>
+      <p:sp>
+        <p:nvSpPr>
+          <p:cNvPr id="196" name="矩形 195"/>
+          <p:cNvSpPr/>
+          <p:nvPr/>
+        </p:nvSpPr>
+        <p:spPr>
+          <a:xfrm>
+            <a:off x="9202334" y="3324302"/>
+            <a:ext cx="716175" cy="515259"/>
+          </a:xfrm>
+          <a:prstGeom prst="rect">
+            <a:avLst/>
+          </a:prstGeom>
+          <a:solidFill>
+            <a:srgbClr val="FFC000"/>
+          </a:solidFill>
+          <a:ln w="6350">
+            <a:solidFill>
+              <a:schemeClr val="tx1"/>
+            </a:solidFill>
+          </a:ln>
+        </p:spPr>
+        <p:style>
+          <a:lnRef idx="2">
+            <a:schemeClr val="accent1">
+              <a:shade val="50000"/>
+            </a:schemeClr>
+          </a:lnRef>
+          <a:fillRef idx="1">
+            <a:schemeClr val="accent1"/>
+          </a:fillRef>
+          <a:effectRef idx="0">
+            <a:schemeClr val="accent1"/>
+          </a:effectRef>
+          <a:fontRef idx="minor">
+            <a:schemeClr val="lt1"/>
+          </a:fontRef>
+        </p:style>
+        <p:txBody>
+          <a:bodyPr rtlCol="0" anchor="ctr"/>
+          <a:lstStyle/>
+          <a:p>
+            <a:pPr algn="ctr"/>
+            <a:r>
+              <a:rPr lang="en-US" altLang="zh-CN" sz="3200" dirty="0">
+                <a:solidFill>
+                  <a:sysClr val="windowText" lastClr="000000"/>
+                </a:solidFill>
+                <a:latin typeface="Times New Roman" panose="02020603050405020304" pitchFamily="18" charset="0"/>
+                <a:cs typeface="Times New Roman" panose="02020603050405020304" pitchFamily="18" charset="0"/>
+              </a:rPr>
+              <a:t>8</a:t>
+            </a:r>
+            <a:endParaRPr lang="zh-CN" altLang="en-US" sz="3200" dirty="0">
+              <a:solidFill>
+                <a:sysClr val="windowText" lastClr="000000"/>
+              </a:solidFill>
+              <a:latin typeface="Times New Roman" panose="02020603050405020304" pitchFamily="18" charset="0"/>
+              <a:cs typeface="Times New Roman" panose="02020603050405020304" pitchFamily="18" charset="0"/>
+            </a:endParaRPr>
+          </a:p>
+        </p:txBody>
+      </p:sp>
+      <p:sp>
+        <p:nvSpPr>
+          <p:cNvPr id="197" name="矩形 196"/>
+          <p:cNvSpPr/>
+          <p:nvPr/>
+        </p:nvSpPr>
+        <p:spPr>
+          <a:xfrm>
+            <a:off x="4905286" y="4479672"/>
+            <a:ext cx="716175" cy="515259"/>
+          </a:xfrm>
+          <a:prstGeom prst="rect">
+            <a:avLst/>
+          </a:prstGeom>
+          <a:solidFill>
+            <a:srgbClr val="FF0000"/>
+          </a:solidFill>
+          <a:ln w="6350">
+            <a:solidFill>
+              <a:schemeClr val="tx1"/>
+            </a:solidFill>
+          </a:ln>
+        </p:spPr>
+        <p:style>
+          <a:lnRef idx="2">
+            <a:schemeClr val="accent1">
+              <a:shade val="50000"/>
+            </a:schemeClr>
+          </a:lnRef>
+          <a:fillRef idx="1">
+            <a:schemeClr val="accent1"/>
+          </a:fillRef>
+          <a:effectRef idx="0">
+            <a:schemeClr val="accent1"/>
+          </a:effectRef>
+          <a:fontRef idx="minor">
+            <a:schemeClr val="lt1"/>
+          </a:fontRef>
+        </p:style>
+        <p:txBody>
+          <a:bodyPr rtlCol="0" anchor="ctr"/>
+          <a:lstStyle/>
+          <a:p>
+            <a:pPr algn="ctr"/>
+            <a:r>
+              <a:rPr lang="en-US" altLang="zh-CN" sz="3200" dirty="0">
+                <a:solidFill>
+                  <a:sysClr val="windowText" lastClr="000000"/>
+                </a:solidFill>
+                <a:latin typeface="Times New Roman" panose="02020603050405020304" pitchFamily="18" charset="0"/>
+                <a:cs typeface="Times New Roman" panose="02020603050405020304" pitchFamily="18" charset="0"/>
+              </a:rPr>
+              <a:t>3</a:t>
+            </a:r>
+            <a:endParaRPr lang="zh-CN" altLang="en-US" sz="3200" dirty="0">
+              <a:solidFill>
+                <a:sysClr val="windowText" lastClr="000000"/>
+              </a:solidFill>
+              <a:latin typeface="Times New Roman" panose="02020603050405020304" pitchFamily="18" charset="0"/>
+              <a:cs typeface="Times New Roman" panose="02020603050405020304" pitchFamily="18" charset="0"/>
+            </a:endParaRPr>
+          </a:p>
+        </p:txBody>
+      </p:sp>
+      <p:sp>
+        <p:nvSpPr>
+          <p:cNvPr id="198" name="矩形 197"/>
+          <p:cNvSpPr/>
+          <p:nvPr/>
+        </p:nvSpPr>
+        <p:spPr>
+          <a:xfrm>
+            <a:off x="5621461" y="4479672"/>
+            <a:ext cx="716175" cy="515259"/>
+          </a:xfrm>
+          <a:prstGeom prst="rect">
+            <a:avLst/>
+          </a:prstGeom>
+          <a:solidFill>
+            <a:srgbClr val="00B0F0"/>
+          </a:solidFill>
+          <a:ln w="6350">
+            <a:solidFill>
+              <a:schemeClr val="tx1"/>
+            </a:solidFill>
+          </a:ln>
+        </p:spPr>
+        <p:style>
+          <a:lnRef idx="2">
+            <a:schemeClr val="accent1">
+              <a:shade val="50000"/>
+            </a:schemeClr>
+          </a:lnRef>
+          <a:fillRef idx="1">
+            <a:schemeClr val="accent1"/>
+          </a:fillRef>
+          <a:effectRef idx="0">
+            <a:schemeClr val="accent1"/>
+          </a:effectRef>
+          <a:fontRef idx="minor">
+            <a:schemeClr val="lt1"/>
+          </a:fontRef>
+        </p:style>
+        <p:txBody>
+          <a:bodyPr rtlCol="0" anchor="ctr"/>
+          <a:lstStyle/>
+          <a:p>
+            <a:pPr algn="ctr"/>
+            <a:r>
+              <a:rPr lang="en-US" altLang="zh-CN" sz="3200" dirty="0">
+                <a:solidFill>
+                  <a:sysClr val="windowText" lastClr="000000"/>
+                </a:solidFill>
+                <a:latin typeface="Times New Roman" panose="02020603050405020304" pitchFamily="18" charset="0"/>
+                <a:cs typeface="Times New Roman" panose="02020603050405020304" pitchFamily="18" charset="0"/>
+              </a:rPr>
+              <a:t>8</a:t>
+            </a:r>
+            <a:endParaRPr lang="zh-CN" altLang="en-US" sz="3200" dirty="0">
+              <a:solidFill>
+                <a:sysClr val="windowText" lastClr="000000"/>
+              </a:solidFill>
+              <a:latin typeface="Times New Roman" panose="02020603050405020304" pitchFamily="18" charset="0"/>
+              <a:cs typeface="Times New Roman" panose="02020603050405020304" pitchFamily="18" charset="0"/>
+            </a:endParaRPr>
+          </a:p>
+        </p:txBody>
+      </p:sp>
+      <p:sp>
+        <p:nvSpPr>
+          <p:cNvPr id="199" name="矩形 198"/>
+          <p:cNvSpPr/>
+          <p:nvPr/>
+        </p:nvSpPr>
+        <p:spPr>
+          <a:xfrm>
+            <a:off x="6337636" y="4479672"/>
+            <a:ext cx="716175" cy="515259"/>
+          </a:xfrm>
+          <a:prstGeom prst="rect">
+            <a:avLst/>
+          </a:prstGeom>
+          <a:solidFill>
+            <a:srgbClr val="00B0F0"/>
+          </a:solidFill>
+          <a:ln w="6350">
+            <a:solidFill>
+              <a:schemeClr val="tx1"/>
+            </a:solidFill>
+          </a:ln>
+        </p:spPr>
+        <p:style>
+          <a:lnRef idx="2">
+            <a:schemeClr val="accent1">
+              <a:shade val="50000"/>
+            </a:schemeClr>
+          </a:lnRef>
+          <a:fillRef idx="1">
+            <a:schemeClr val="accent1"/>
+          </a:fillRef>
+          <a:effectRef idx="0">
+            <a:schemeClr val="accent1"/>
+          </a:effectRef>
+          <a:fontRef idx="minor">
+            <a:schemeClr val="lt1"/>
+          </a:fontRef>
+        </p:style>
+        <p:txBody>
+          <a:bodyPr rtlCol="0" anchor="ctr"/>
+          <a:lstStyle/>
+          <a:p>
+            <a:pPr algn="ctr"/>
+            <a:r>
+              <a:rPr lang="en-US" altLang="zh-CN" sz="3200" dirty="0">
+                <a:solidFill>
+                  <a:sysClr val="windowText" lastClr="000000"/>
+                </a:solidFill>
+                <a:latin typeface="Times New Roman" panose="02020603050405020304" pitchFamily="18" charset="0"/>
+                <a:cs typeface="Times New Roman" panose="02020603050405020304" pitchFamily="18" charset="0"/>
+              </a:rPr>
+              <a:t>1</a:t>
+            </a:r>
+            <a:endParaRPr lang="zh-CN" altLang="en-US" sz="3200" dirty="0">
+              <a:solidFill>
+                <a:sysClr val="windowText" lastClr="000000"/>
+              </a:solidFill>
+              <a:latin typeface="Times New Roman" panose="02020603050405020304" pitchFamily="18" charset="0"/>
+              <a:cs typeface="Times New Roman" panose="02020603050405020304" pitchFamily="18" charset="0"/>
+            </a:endParaRPr>
+          </a:p>
+        </p:txBody>
+      </p:sp>
+      <p:sp>
+        <p:nvSpPr>
+          <p:cNvPr id="200" name="矩形 199"/>
+          <p:cNvSpPr/>
+          <p:nvPr/>
+        </p:nvSpPr>
+        <p:spPr>
+          <a:xfrm>
+            <a:off x="7053810" y="4479672"/>
+            <a:ext cx="716175" cy="515259"/>
+          </a:xfrm>
+          <a:prstGeom prst="rect">
+            <a:avLst/>
+          </a:prstGeom>
+          <a:solidFill>
+            <a:srgbClr val="00B0F0"/>
+          </a:solidFill>
+          <a:ln w="6350">
+            <a:solidFill>
+              <a:schemeClr val="tx1"/>
+            </a:solidFill>
+          </a:ln>
+        </p:spPr>
+        <p:style>
+          <a:lnRef idx="2">
+            <a:schemeClr val="accent1">
+              <a:shade val="50000"/>
+            </a:schemeClr>
+          </a:lnRef>
+          <a:fillRef idx="1">
+            <a:schemeClr val="accent1"/>
+          </a:fillRef>
+          <a:effectRef idx="0">
+            <a:schemeClr val="accent1"/>
+          </a:effectRef>
+          <a:fontRef idx="minor">
+            <a:schemeClr val="lt1"/>
+          </a:fontRef>
+        </p:style>
+        <p:txBody>
+          <a:bodyPr rtlCol="0" anchor="ctr"/>
+          <a:lstStyle/>
+          <a:p>
+            <a:pPr algn="ctr"/>
+            <a:r>
+              <a:rPr lang="en-US" altLang="zh-CN" sz="3200" dirty="0">
+                <a:solidFill>
+                  <a:sysClr val="windowText" lastClr="000000"/>
+                </a:solidFill>
+                <a:latin typeface="Times New Roman" panose="02020603050405020304" pitchFamily="18" charset="0"/>
+                <a:cs typeface="Times New Roman" panose="02020603050405020304" pitchFamily="18" charset="0"/>
+              </a:rPr>
+              <a:t>7</a:t>
+            </a:r>
+            <a:endParaRPr lang="zh-CN" altLang="en-US" sz="3200" dirty="0">
+              <a:solidFill>
+                <a:sysClr val="windowText" lastClr="000000"/>
+              </a:solidFill>
+              <a:latin typeface="Times New Roman" panose="02020603050405020304" pitchFamily="18" charset="0"/>
+              <a:cs typeface="Times New Roman" panose="02020603050405020304" pitchFamily="18" charset="0"/>
+            </a:endParaRPr>
+          </a:p>
+        </p:txBody>
+      </p:sp>
+      <p:sp>
+        <p:nvSpPr>
+          <p:cNvPr id="201" name="矩形 200"/>
+          <p:cNvSpPr/>
+          <p:nvPr/>
+        </p:nvSpPr>
+        <p:spPr>
+          <a:xfrm>
+            <a:off x="7769985" y="4479672"/>
+            <a:ext cx="716175" cy="515259"/>
+          </a:xfrm>
+          <a:prstGeom prst="rect">
+            <a:avLst/>
+          </a:prstGeom>
+          <a:solidFill>
+            <a:srgbClr val="FF0000"/>
+          </a:solidFill>
+          <a:ln w="6350">
+            <a:solidFill>
+              <a:schemeClr val="tx1"/>
+            </a:solidFill>
+          </a:ln>
+        </p:spPr>
+        <p:style>
+          <a:lnRef idx="2">
+            <a:schemeClr val="accent1">
+              <a:shade val="50000"/>
+            </a:schemeClr>
+          </a:lnRef>
+          <a:fillRef idx="1">
+            <a:schemeClr val="accent1"/>
+          </a:fillRef>
+          <a:effectRef idx="0">
+            <a:schemeClr val="accent1"/>
+          </a:effectRef>
+          <a:fontRef idx="minor">
+            <a:schemeClr val="lt1"/>
+          </a:fontRef>
+        </p:style>
+        <p:txBody>
+          <a:bodyPr rtlCol="0" anchor="ctr"/>
+          <a:lstStyle/>
+          <a:p>
+            <a:pPr algn="ctr"/>
+            <a:r>
+              <a:rPr lang="en-US" altLang="zh-CN" sz="3200" dirty="0">
+                <a:solidFill>
+                  <a:sysClr val="windowText" lastClr="000000"/>
+                </a:solidFill>
+                <a:latin typeface="Times New Roman" panose="02020603050405020304" pitchFamily="18" charset="0"/>
+                <a:cs typeface="Times New Roman" panose="02020603050405020304" pitchFamily="18" charset="0"/>
+              </a:rPr>
+              <a:t>4</a:t>
+            </a:r>
+            <a:endParaRPr lang="zh-CN" altLang="en-US" sz="3200" dirty="0">
+              <a:solidFill>
+                <a:sysClr val="windowText" lastClr="000000"/>
+              </a:solidFill>
+              <a:latin typeface="Times New Roman" panose="02020603050405020304" pitchFamily="18" charset="0"/>
+              <a:cs typeface="Times New Roman" panose="02020603050405020304" pitchFamily="18" charset="0"/>
+            </a:endParaRPr>
+          </a:p>
+        </p:txBody>
+      </p:sp>
+      <p:sp>
+        <p:nvSpPr>
+          <p:cNvPr id="202" name="矩形 201"/>
+          <p:cNvSpPr/>
+          <p:nvPr/>
+        </p:nvSpPr>
+        <p:spPr>
+          <a:xfrm>
+            <a:off x="8486160" y="4479672"/>
+            <a:ext cx="716175" cy="515259"/>
+          </a:xfrm>
+          <a:prstGeom prst="rect">
+            <a:avLst/>
+          </a:prstGeom>
+          <a:solidFill>
+            <a:srgbClr val="FF0000"/>
+          </a:solidFill>
+          <a:ln w="6350">
+            <a:solidFill>
+              <a:schemeClr val="tx1"/>
+            </a:solidFill>
+          </a:ln>
+        </p:spPr>
+        <p:style>
+          <a:lnRef idx="2">
+            <a:schemeClr val="accent1">
+              <a:shade val="50000"/>
+            </a:schemeClr>
+          </a:lnRef>
+          <a:fillRef idx="1">
+            <a:schemeClr val="accent1"/>
+          </a:fillRef>
+          <a:effectRef idx="0">
+            <a:schemeClr val="accent1"/>
+          </a:effectRef>
+          <a:fontRef idx="minor">
+            <a:schemeClr val="lt1"/>
+          </a:fontRef>
+        </p:style>
+        <p:txBody>
+          <a:bodyPr rtlCol="0" anchor="ctr"/>
+          <a:lstStyle/>
+          <a:p>
+            <a:pPr algn="ctr"/>
+            <a:r>
+              <a:rPr lang="en-US" altLang="zh-CN" sz="3200" dirty="0">
+                <a:solidFill>
+                  <a:sysClr val="windowText" lastClr="000000"/>
+                </a:solidFill>
+                <a:latin typeface="Times New Roman" panose="02020603050405020304" pitchFamily="18" charset="0"/>
+                <a:cs typeface="Times New Roman" panose="02020603050405020304" pitchFamily="18" charset="0"/>
+              </a:rPr>
+              <a:t>5</a:t>
+            </a:r>
+            <a:endParaRPr lang="zh-CN" altLang="en-US" sz="3200" dirty="0">
+              <a:solidFill>
+                <a:sysClr val="windowText" lastClr="000000"/>
+              </a:solidFill>
+              <a:latin typeface="Times New Roman" panose="02020603050405020304" pitchFamily="18" charset="0"/>
+              <a:cs typeface="Times New Roman" panose="02020603050405020304" pitchFamily="18" charset="0"/>
+            </a:endParaRPr>
+          </a:p>
+        </p:txBody>
+      </p:sp>
+      <p:sp>
+        <p:nvSpPr>
+          <p:cNvPr id="203" name="矩形 202"/>
+          <p:cNvSpPr/>
+          <p:nvPr/>
+        </p:nvSpPr>
+        <p:spPr>
+          <a:xfrm>
+            <a:off x="9202334" y="4479672"/>
+            <a:ext cx="716175" cy="515259"/>
+          </a:xfrm>
+          <a:prstGeom prst="rect">
+            <a:avLst/>
+          </a:prstGeom>
+          <a:solidFill>
+            <a:srgbClr val="00B0F0"/>
+          </a:solidFill>
+          <a:ln w="6350">
+            <a:solidFill>
+              <a:schemeClr val="tx1"/>
+            </a:solidFill>
+          </a:ln>
+        </p:spPr>
+        <p:style>
+          <a:lnRef idx="2">
+            <a:schemeClr val="accent1">
+              <a:shade val="50000"/>
+            </a:schemeClr>
+          </a:lnRef>
+          <a:fillRef idx="1">
+            <a:schemeClr val="accent1"/>
+          </a:fillRef>
+          <a:effectRef idx="0">
+            <a:schemeClr val="accent1"/>
+          </a:effectRef>
+          <a:fontRef idx="minor">
+            <a:schemeClr val="lt1"/>
+          </a:fontRef>
+        </p:style>
+        <p:txBody>
+          <a:bodyPr rtlCol="0" anchor="ctr"/>
+          <a:lstStyle/>
+          <a:p>
+            <a:pPr algn="ctr"/>
+            <a:r>
+              <a:rPr lang="en-US" altLang="zh-CN" sz="3200" dirty="0">
+                <a:solidFill>
+                  <a:sysClr val="windowText" lastClr="000000"/>
+                </a:solidFill>
+                <a:latin typeface="Times New Roman" panose="02020603050405020304" pitchFamily="18" charset="0"/>
+                <a:cs typeface="Times New Roman" panose="02020603050405020304" pitchFamily="18" charset="0"/>
+              </a:rPr>
+              <a:t>6</a:t>
+            </a:r>
+            <a:endParaRPr lang="zh-CN" altLang="en-US" sz="3200" dirty="0">
+              <a:solidFill>
+                <a:sysClr val="windowText" lastClr="000000"/>
+              </a:solidFill>
+              <a:latin typeface="Times New Roman" panose="02020603050405020304" pitchFamily="18" charset="0"/>
+              <a:cs typeface="Times New Roman" panose="02020603050405020304" pitchFamily="18" charset="0"/>
+            </a:endParaRPr>
+          </a:p>
+        </p:txBody>
+      </p:sp>
+      <p:sp>
+        <p:nvSpPr>
+          <p:cNvPr id="46" name="矩形 45"/>
+          <p:cNvSpPr/>
+          <p:nvPr/>
+        </p:nvSpPr>
+        <p:spPr>
+          <a:xfrm>
+            <a:off x="4187668" y="4479456"/>
+            <a:ext cx="716175" cy="515259"/>
+          </a:xfrm>
+          <a:prstGeom prst="rect">
+            <a:avLst/>
+          </a:prstGeom>
+          <a:solidFill>
+            <a:srgbClr val="FF0000"/>
+          </a:solidFill>
+          <a:ln w="6350">
+            <a:solidFill>
+              <a:schemeClr val="tx1"/>
+            </a:solidFill>
+          </a:ln>
+        </p:spPr>
+        <p:style>
+          <a:lnRef idx="2">
+            <a:schemeClr val="accent1">
+              <a:shade val="50000"/>
+            </a:schemeClr>
+          </a:lnRef>
+          <a:fillRef idx="1">
+            <a:schemeClr val="accent1"/>
+          </a:fillRef>
+          <a:effectRef idx="0">
+            <a:schemeClr val="accent1"/>
+          </a:effectRef>
+          <a:fontRef idx="minor">
+            <a:schemeClr val="lt1"/>
+          </a:fontRef>
+        </p:style>
+        <p:txBody>
+          <a:bodyPr rtlCol="0" anchor="ctr"/>
+          <a:lstStyle/>
+          <a:p>
+            <a:pPr algn="ctr"/>
+            <a:r>
+              <a:rPr lang="en-US" altLang="zh-CN" sz="3200" dirty="0">
+                <a:solidFill>
+                  <a:sysClr val="windowText" lastClr="000000"/>
+                </a:solidFill>
+                <a:latin typeface="Times New Roman" panose="02020603050405020304" pitchFamily="18" charset="0"/>
+                <a:cs typeface="Times New Roman" panose="02020603050405020304" pitchFamily="18" charset="0"/>
+              </a:rPr>
+              <a:t>2</a:t>
+            </a:r>
+            <a:endParaRPr lang="zh-CN" altLang="en-US" sz="3200" dirty="0">
+              <a:solidFill>
+                <a:sysClr val="windowText" lastClr="000000"/>
+              </a:solidFill>
+              <a:latin typeface="Times New Roman" panose="02020603050405020304" pitchFamily="18" charset="0"/>
+              <a:cs typeface="Times New Roman" panose="02020603050405020304" pitchFamily="18" charset="0"/>
+            </a:endParaRPr>
+          </a:p>
+        </p:txBody>
+      </p:sp>
+      <p:sp>
+        <p:nvSpPr>
+          <p:cNvPr id="15" name="矩形 14"/>
+          <p:cNvSpPr/>
+          <p:nvPr/>
+        </p:nvSpPr>
+        <p:spPr>
+          <a:xfrm>
+            <a:off x="10449170" y="6440803"/>
+            <a:ext cx="543596" cy="247246"/>
+          </a:xfrm>
+          <a:prstGeom prst="rect">
+            <a:avLst/>
+          </a:prstGeom>
+          <a:noFill/>
+          <a:ln>
+            <a:noFill/>
+          </a:ln>
+        </p:spPr>
+        <p:style>
+          <a:lnRef idx="2">
+            <a:schemeClr val="accent1">
+              <a:shade val="50000"/>
+            </a:schemeClr>
+          </a:lnRef>
+          <a:fillRef idx="1">
+            <a:schemeClr val="accent1"/>
+          </a:fillRef>
+          <a:effectRef idx="0">
+            <a:schemeClr val="accent1"/>
+          </a:effectRef>
+          <a:fontRef idx="minor">
+            <a:schemeClr val="lt1"/>
+          </a:fontRef>
+        </p:style>
+        <p:txBody>
+          <a:bodyPr rtlCol="0" anchor="ctr"/>
+          <a:lstStyle/>
+          <a:p>
+            <a:pPr algn="ctr"/>
+            <a:endParaRPr lang="zh-CN" altLang="en-US"/>
+          </a:p>
+        </p:txBody>
+      </p:sp>
+      <p:sp>
+        <p:nvSpPr>
+          <p:cNvPr id="43" name="矩形 42"/>
+          <p:cNvSpPr/>
+          <p:nvPr/>
+        </p:nvSpPr>
+        <p:spPr>
+          <a:xfrm>
+            <a:off x="5621461" y="3324302"/>
+            <a:ext cx="716175" cy="515259"/>
+          </a:xfrm>
+          <a:prstGeom prst="rect">
+            <a:avLst/>
+          </a:prstGeom>
+          <a:solidFill>
+            <a:srgbClr val="FF0000"/>
+          </a:solidFill>
+          <a:ln w="6350">
+            <a:solidFill>
+              <a:schemeClr val="tx1"/>
+            </a:solidFill>
+          </a:ln>
+        </p:spPr>
+        <p:style>
+          <a:lnRef idx="2">
+            <a:schemeClr val="accent1">
+              <a:shade val="50000"/>
+            </a:schemeClr>
+          </a:lnRef>
+          <a:fillRef idx="1">
+            <a:schemeClr val="accent1"/>
+          </a:fillRef>
+          <a:effectRef idx="0">
+            <a:schemeClr val="accent1"/>
+          </a:effectRef>
+          <a:fontRef idx="minor">
+            <a:schemeClr val="lt1"/>
+          </a:fontRef>
+        </p:style>
+        <p:txBody>
+          <a:bodyPr rtlCol="0" anchor="ctr"/>
+          <a:lstStyle/>
+          <a:p>
+            <a:pPr algn="ctr"/>
+            <a:r>
+              <a:rPr lang="en-US" altLang="zh-CN" sz="3200" dirty="0">
+                <a:solidFill>
+                  <a:sysClr val="windowText" lastClr="000000"/>
+                </a:solidFill>
+                <a:latin typeface="Times New Roman" panose="02020603050405020304" pitchFamily="18" charset="0"/>
+                <a:cs typeface="Times New Roman" panose="02020603050405020304" pitchFamily="18" charset="0"/>
+              </a:rPr>
+              <a:t>5</a:t>
+            </a:r>
+            <a:endParaRPr lang="zh-CN" altLang="en-US" sz="3200" dirty="0">
+              <a:solidFill>
+                <a:sysClr val="windowText" lastClr="000000"/>
+              </a:solidFill>
+              <a:latin typeface="Times New Roman" panose="02020603050405020304" pitchFamily="18" charset="0"/>
+              <a:cs typeface="Times New Roman" panose="02020603050405020304" pitchFamily="18" charset="0"/>
+            </a:endParaRPr>
+          </a:p>
+        </p:txBody>
+      </p:sp>
+    </p:spTree>
+    <p:extLst>
+      <p:ext uri="{BB962C8B-B14F-4D97-AF65-F5344CB8AC3E}">
+        <p14:creationId xmlns:p14="http://schemas.microsoft.com/office/powerpoint/2010/main" val="4079364545"/>
+      </p:ext>
+    </p:extLst>
+  </p:cSld>
+  <p:clrMapOvr>
+    <a:masterClrMapping/>
+  </p:clrMapOvr>
+  <p:timing>
+    <p:tnLst>
+      <p:par>
+        <p:cTn id="1" dur="indefinite" restart="never" nodeType="tmRoot">
+          <p:childTnLst>
+            <p:seq concurrent="1" nextAc="seek">
+              <p:cTn id="2" dur="indefinite" nodeType="mainSeq">
+                <p:childTnLst>
+                  <p:par>
+                    <p:cTn id="3" fill="hold">
+                      <p:stCondLst>
+                        <p:cond delay="indefinite"/>
+                        <p:cond evt="onBegin" delay="0">
+                          <p:tn val="2"/>
+                        </p:cond>
+                      </p:stCondLst>
+                      <p:childTnLst>
+                        <p:par>
+                          <p:cTn id="4" fill="hold">
+                            <p:stCondLst>
+                              <p:cond delay="0"/>
+                            </p:stCondLst>
+                            <p:childTnLst>
+                              <p:par>
+                                <p:cTn id="5" presetID="35" presetClass="emph" presetSubtype="0" repeatCount="3000" fill="hold" grpId="1" nodeType="afterEffect">
+                                  <p:stCondLst>
+                                    <p:cond delay="500"/>
+                                  </p:stCondLst>
+                                  <p:childTnLst>
+                                    <p:anim calcmode="discrete" valueType="str">
+                                      <p:cBhvr>
+                                        <p:cTn id="6" dur="500" fill="hold"/>
+                                        <p:tgtEl>
+                                          <p:spTgt spid="46"/>
+                                        </p:tgtEl>
+                                        <p:attrNameLst>
+                                          <p:attrName>style.visibility</p:attrName>
+                                        </p:attrNameLst>
+                                      </p:cBhvr>
+                                      <p:tavLst>
+                                        <p:tav tm="0">
+                                          <p:val>
+                                            <p:strVal val="hidden"/>
+                                          </p:val>
+                                        </p:tav>
+                                        <p:tav tm="50000">
+                                          <p:val>
+                                            <p:strVal val="visible"/>
+                                          </p:val>
+                                        </p:tav>
+                                      </p:tavLst>
+                                    </p:anim>
+                                  </p:childTnLst>
+                                </p:cTn>
+                              </p:par>
+                              <p:par>
+                                <p:cTn id="7" presetID="35" presetClass="emph" presetSubtype="0" repeatCount="3000" fill="hold" grpId="1" nodeType="withEffect">
+                                  <p:stCondLst>
+                                    <p:cond delay="500"/>
+                                  </p:stCondLst>
+                                  <p:childTnLst>
+                                    <p:anim calcmode="discrete" valueType="str">
+                                      <p:cBhvr>
+                                        <p:cTn id="8" dur="500" fill="hold"/>
+                                        <p:tgtEl>
+                                          <p:spTgt spid="197"/>
+                                        </p:tgtEl>
+                                        <p:attrNameLst>
+                                          <p:attrName>style.visibility</p:attrName>
+                                        </p:attrNameLst>
+                                      </p:cBhvr>
+                                      <p:tavLst>
+                                        <p:tav tm="0">
+                                          <p:val>
+                                            <p:strVal val="hidden"/>
+                                          </p:val>
+                                        </p:tav>
+                                        <p:tav tm="50000">
+                                          <p:val>
+                                            <p:strVal val="visible"/>
+                                          </p:val>
+                                        </p:tav>
+                                      </p:tavLst>
+                                    </p:anim>
+                                  </p:childTnLst>
+                                </p:cTn>
+                              </p:par>
+                              <p:par>
+                                <p:cTn id="9" presetID="35" presetClass="emph" presetSubtype="0" repeatCount="3000" fill="hold" grpId="1" nodeType="withEffect">
+                                  <p:stCondLst>
+                                    <p:cond delay="500"/>
+                                  </p:stCondLst>
+                                  <p:childTnLst>
+                                    <p:anim calcmode="discrete" valueType="str">
+                                      <p:cBhvr>
+                                        <p:cTn id="10" dur="500" fill="hold"/>
+                                        <p:tgtEl>
+                                          <p:spTgt spid="201"/>
+                                        </p:tgtEl>
+                                        <p:attrNameLst>
+                                          <p:attrName>style.visibility</p:attrName>
+                                        </p:attrNameLst>
+                                      </p:cBhvr>
+                                      <p:tavLst>
+                                        <p:tav tm="0">
+                                          <p:val>
+                                            <p:strVal val="hidden"/>
+                                          </p:val>
+                                        </p:tav>
+                                        <p:tav tm="50000">
+                                          <p:val>
+                                            <p:strVal val="visible"/>
+                                          </p:val>
+                                        </p:tav>
+                                      </p:tavLst>
+                                    </p:anim>
+                                  </p:childTnLst>
+                                </p:cTn>
+                              </p:par>
+                              <p:par>
+                                <p:cTn id="11" presetID="35" presetClass="emph" presetSubtype="0" repeatCount="3000" fill="hold" grpId="1" nodeType="withEffect">
+                                  <p:stCondLst>
+                                    <p:cond delay="500"/>
+                                  </p:stCondLst>
+                                  <p:childTnLst>
+                                    <p:anim calcmode="discrete" valueType="str">
+                                      <p:cBhvr>
+                                        <p:cTn id="12" dur="500" fill="hold"/>
+                                        <p:tgtEl>
+                                          <p:spTgt spid="202"/>
+                                        </p:tgtEl>
+                                        <p:attrNameLst>
+                                          <p:attrName>style.visibility</p:attrName>
+                                        </p:attrNameLst>
+                                      </p:cBhvr>
+                                      <p:tavLst>
+                                        <p:tav tm="0">
+                                          <p:val>
+                                            <p:strVal val="hidden"/>
+                                          </p:val>
+                                        </p:tav>
+                                        <p:tav tm="50000">
+                                          <p:val>
+                                            <p:strVal val="visible"/>
+                                          </p:val>
+                                        </p:tav>
+                                      </p:tavLst>
+                                    </p:anim>
+                                  </p:childTnLst>
+                                </p:cTn>
+                              </p:par>
+                            </p:childTnLst>
+                          </p:cTn>
+                        </p:par>
+                        <p:par>
+                          <p:cTn id="13" fill="hold">
+                            <p:stCondLst>
+                              <p:cond delay="2000"/>
+                            </p:stCondLst>
+                            <p:childTnLst>
+                              <p:par>
+                                <p:cTn id="14" presetID="42" presetClass="path" presetSubtype="0" accel="50000" decel="50000" fill="hold" grpId="0" nodeType="afterEffect">
+                                  <p:stCondLst>
+                                    <p:cond delay="500"/>
+                                  </p:stCondLst>
+                                  <p:childTnLst>
+                                    <p:animMotion origin="layout" path="M 3.54167E-6 2.22222E-6 L 0.05859 -0.29931 " pathEditMode="relative" rAng="0" ptsTypes="AA">
+                                      <p:cBhvr>
+                                        <p:cTn id="15" dur="2000" fill="hold"/>
+                                        <p:tgtEl>
+                                          <p:spTgt spid="46"/>
+                                        </p:tgtEl>
+                                        <p:attrNameLst>
+                                          <p:attrName>ppt_x</p:attrName>
+                                          <p:attrName>ppt_y</p:attrName>
+                                        </p:attrNameLst>
+                                      </p:cBhvr>
+                                      <p:rCtr x="2930" y="-14977"/>
+                                    </p:animMotion>
+                                  </p:childTnLst>
+                                </p:cTn>
+                              </p:par>
+                              <p:par>
+                                <p:cTn id="16" presetID="42" presetClass="path" presetSubtype="0" accel="50000" decel="50000" fill="hold" grpId="0" nodeType="withEffect">
+                                  <p:stCondLst>
+                                    <p:cond delay="500"/>
+                                  </p:stCondLst>
+                                  <p:childTnLst>
+                                    <p:animMotion origin="layout" path="M -6.25E-7 2.22222E-6 L 0.05872 -0.29884 " pathEditMode="relative" rAng="0" ptsTypes="AA">
+                                      <p:cBhvr>
+                                        <p:cTn id="17" dur="2000" fill="hold"/>
+                                        <p:tgtEl>
+                                          <p:spTgt spid="197"/>
+                                        </p:tgtEl>
+                                        <p:attrNameLst>
+                                          <p:attrName>ppt_x</p:attrName>
+                                          <p:attrName>ppt_y</p:attrName>
+                                        </p:attrNameLst>
+                                      </p:cBhvr>
+                                      <p:rCtr x="2943" y="-14676"/>
+                                    </p:animMotion>
+                                  </p:childTnLst>
+                                </p:cTn>
+                              </p:par>
+                              <p:par>
+                                <p:cTn id="18" presetID="42" presetClass="path" presetSubtype="0" accel="50000" decel="50000" fill="hold" grpId="0" nodeType="withEffect">
+                                  <p:stCondLst>
+                                    <p:cond delay="500"/>
+                                  </p:stCondLst>
+                                  <p:childTnLst>
+                                    <p:animMotion origin="layout" path="M -6.25E-7 -2.22222E-6 L -0.05833 0.29931 " pathEditMode="relative" rAng="0" ptsTypes="AA">
+                                      <p:cBhvr>
+                                        <p:cTn id="19" dur="2000" fill="hold"/>
+                                        <p:tgtEl>
+                                          <p:spTgt spid="96"/>
+                                        </p:tgtEl>
+                                        <p:attrNameLst>
+                                          <p:attrName>ppt_x</p:attrName>
+                                          <p:attrName>ppt_y</p:attrName>
+                                        </p:attrNameLst>
+                                      </p:cBhvr>
+                                      <p:rCtr x="-2917" y="14954"/>
+                                    </p:animMotion>
+                                  </p:childTnLst>
+                                </p:cTn>
+                              </p:par>
+                              <p:par>
+                                <p:cTn id="20" presetID="42" presetClass="path" presetSubtype="0" accel="50000" decel="50000" fill="hold" grpId="0" nodeType="withEffect">
+                                  <p:stCondLst>
+                                    <p:cond delay="500"/>
+                                  </p:stCondLst>
+                                  <p:childTnLst>
+                                    <p:animMotion origin="layout" path="M -4.58333E-6 0.00047 L -0.05859 0.29954 " pathEditMode="relative" rAng="0" ptsTypes="AA">
+                                      <p:cBhvr>
+                                        <p:cTn id="21" dur="2000" fill="hold"/>
+                                        <p:tgtEl>
+                                          <p:spTgt spid="43"/>
+                                        </p:tgtEl>
+                                        <p:attrNameLst>
+                                          <p:attrName>ppt_x</p:attrName>
+                                          <p:attrName>ppt_y</p:attrName>
+                                        </p:attrNameLst>
+                                      </p:cBhvr>
+                                      <p:rCtr x="-2930" y="14954"/>
+                                    </p:animMotion>
+                                  </p:childTnLst>
+                                </p:cTn>
+                              </p:par>
+                              <p:par>
+                                <p:cTn id="22" presetID="42" presetClass="path" presetSubtype="0" accel="50000" decel="50000" fill="hold" grpId="0" nodeType="withEffect">
+                                  <p:stCondLst>
+                                    <p:cond delay="500"/>
+                                  </p:stCondLst>
+                                  <p:childTnLst>
+                                    <p:animMotion origin="layout" path="M 1.45833E-6 -2.22222E-6 L 0.11771 0.29931 " pathEditMode="relative" rAng="0" ptsTypes="AA">
+                                      <p:cBhvr>
+                                        <p:cTn id="23" dur="2000" fill="hold"/>
+                                        <p:tgtEl>
+                                          <p:spTgt spid="98"/>
+                                        </p:tgtEl>
+                                        <p:attrNameLst>
+                                          <p:attrName>ppt_x</p:attrName>
+                                          <p:attrName>ppt_y</p:attrName>
+                                        </p:attrNameLst>
+                                      </p:cBhvr>
+                                      <p:rCtr x="5885" y="14954"/>
+                                    </p:animMotion>
+                                  </p:childTnLst>
+                                </p:cTn>
+                              </p:par>
+                              <p:par>
+                                <p:cTn id="24" presetID="42" presetClass="path" presetSubtype="0" accel="50000" decel="50000" fill="hold" grpId="0" nodeType="withEffect">
+                                  <p:stCondLst>
+                                    <p:cond delay="500"/>
+                                  </p:stCondLst>
+                                  <p:childTnLst>
+                                    <p:animMotion origin="layout" path="M -2.5E-6 -2.22222E-6 L 0.11784 0.29884 " pathEditMode="relative" rAng="0" ptsTypes="AA">
+                                      <p:cBhvr>
+                                        <p:cTn id="25" dur="2000" fill="hold"/>
+                                        <p:tgtEl>
+                                          <p:spTgt spid="121"/>
+                                        </p:tgtEl>
+                                        <p:attrNameLst>
+                                          <p:attrName>ppt_x</p:attrName>
+                                          <p:attrName>ppt_y</p:attrName>
+                                        </p:attrNameLst>
+                                      </p:cBhvr>
+                                      <p:rCtr x="5885" y="14931"/>
+                                    </p:animMotion>
+                                  </p:childTnLst>
+                                </p:cTn>
+                              </p:par>
+                              <p:par>
+                                <p:cTn id="26" presetID="64" presetClass="path" presetSubtype="0" accel="50000" decel="50000" fill="hold" grpId="0" nodeType="withEffect">
+                                  <p:stCondLst>
+                                    <p:cond delay="500"/>
+                                  </p:stCondLst>
+                                  <p:childTnLst>
+                                    <p:animMotion origin="layout" path="M 3.33333E-6 2.22222E-6 L -0.11758 -0.2993 " pathEditMode="relative" rAng="0" ptsTypes="AA">
+                                      <p:cBhvr>
+                                        <p:cTn id="27" dur="2000" fill="hold"/>
+                                        <p:tgtEl>
+                                          <p:spTgt spid="201"/>
+                                        </p:tgtEl>
+                                        <p:attrNameLst>
+                                          <p:attrName>ppt_x</p:attrName>
+                                          <p:attrName>ppt_y</p:attrName>
+                                        </p:attrNameLst>
+                                      </p:cBhvr>
+                                      <p:rCtr x="-5872" y="-14676"/>
+                                    </p:animMotion>
+                                  </p:childTnLst>
+                                </p:cTn>
+                              </p:par>
+                              <p:par>
+                                <p:cTn id="28" presetID="64" presetClass="path" presetSubtype="0" accel="50000" decel="50000" fill="hold" grpId="0" nodeType="withEffect">
+                                  <p:stCondLst>
+                                    <p:cond delay="500"/>
+                                  </p:stCondLst>
+                                  <p:childTnLst>
+                                    <p:animMotion origin="layout" path="M -6.25E-7 2.22222E-6 L -0.11758 -0.2993 " pathEditMode="relative" rAng="0" ptsTypes="AA">
+                                      <p:cBhvr>
+                                        <p:cTn id="29" dur="2000" fill="hold"/>
+                                        <p:tgtEl>
+                                          <p:spTgt spid="202"/>
+                                        </p:tgtEl>
+                                        <p:attrNameLst>
+                                          <p:attrName>ppt_x</p:attrName>
+                                          <p:attrName>ppt_y</p:attrName>
+                                        </p:attrNameLst>
+                                      </p:cBhvr>
+                                      <p:rCtr x="-5885" y="-14676"/>
+                                    </p:animMotion>
+                                  </p:childTnLst>
+                                </p:cTn>
+                              </p:par>
+                            </p:childTnLst>
+                          </p:cTn>
+                        </p:par>
+                        <p:par>
+                          <p:cTn id="30" fill="hold">
+                            <p:stCondLst>
+                              <p:cond delay="4500"/>
+                            </p:stCondLst>
+                            <p:childTnLst>
+                              <p:par>
+                                <p:cTn id="31" presetID="1" presetClass="entr" presetSubtype="0" fill="hold" grpId="0" nodeType="afterEffect" nodePh="1">
+                                  <p:stCondLst>
+                                    <p:cond delay="3000"/>
+                                  </p:stCondLst>
+                                  <p:endCondLst>
+                                    <p:cond evt="begin" delay="0">
+                                      <p:tn val="31"/>
+                                    </p:cond>
+                                  </p:endCondLst>
+                                  <p:childTnLst>
+                                    <p:set>
+                                      <p:cBhvr>
+                                        <p:cTn id="32" dur="1" fill="hold">
+                                          <p:stCondLst>
+                                            <p:cond delay="0"/>
+                                          </p:stCondLst>
+                                        </p:cTn>
+                                        <p:tgtEl>
+                                          <p:spTgt spid="15"/>
+                                        </p:tgtEl>
+                                        <p:attrNameLst>
+                                          <p:attrName>style.visibility</p:attrName>
+                                        </p:attrNameLst>
+                                      </p:cBhvr>
+                                      <p:to>
+                                        <p:strVal val="visible"/>
+                                      </p:to>
+                                    </p:set>
+                                  </p:childTnLst>
+                                </p:cTn>
+                              </p:par>
+                            </p:childTnLst>
+                          </p:cTn>
+                        </p:par>
+                      </p:childTnLst>
+                    </p:cTn>
+                  </p:par>
+                </p:childTnLst>
+              </p:cTn>
+              <p:prevCondLst>
+                <p:cond evt="onPrev" delay="0">
+                  <p:tgtEl>
+                    <p:sldTgt/>
+                  </p:tgtEl>
+                </p:cond>
+              </p:prevCondLst>
+              <p:nextCondLst>
+                <p:cond evt="onNext" delay="0">
+                  <p:tgtEl>
+                    <p:sldTgt/>
+                  </p:tgtEl>
+                </p:cond>
+              </p:nextCondLst>
+            </p:seq>
+          </p:childTnLst>
+        </p:cTn>
+      </p:par>
+    </p:tnLst>
+    <p:bldLst>
+      <p:bldP spid="96" grpId="0" animBg="1"/>
+      <p:bldP spid="98" grpId="0" animBg="1"/>
+      <p:bldP spid="121" grpId="0" animBg="1"/>
+      <p:bldP spid="197" grpId="0" animBg="1"/>
+      <p:bldP spid="197" grpId="1" animBg="1"/>
+      <p:bldP spid="201" grpId="0" animBg="1"/>
+      <p:bldP spid="201" grpId="1" animBg="1"/>
+      <p:bldP spid="202" grpId="0" animBg="1"/>
+      <p:bldP spid="202" grpId="1" animBg="1"/>
+      <p:bldP spid="46" grpId="0" animBg="1"/>
+      <p:bldP spid="46" grpId="1" animBg="1"/>
+      <p:bldP spid="15" grpId="0"/>
+      <p:bldP spid="43" grpId="0" animBg="1"/>
+    </p:bldLst>
+  </p:timing>
+</p:sld>
+</file>
+
 <file path=ppt/theme/theme1.xml><?xml version="1.0" encoding="utf-8"?>
 <a:theme xmlns:a="http://schemas.openxmlformats.org/drawingml/2006/main" name="Office 主题​​">
   <a:themeElements>
